--- a/PIC-ADC-Average-BurstAverageMode-Test.pptx
+++ b/PIC-ADC-Average-BurstAverageMode-Test.pptx
@@ -5,10 +5,10 @@
     <p:sldMasterId id="2147483660" r:id="rId1"/>
   </p:sldMasterIdLst>
   <p:notesMasterIdLst>
-    <p:notesMasterId r:id="rId12"/>
+    <p:notesMasterId r:id="rId13"/>
   </p:notesMasterIdLst>
   <p:handoutMasterIdLst>
-    <p:handoutMasterId r:id="rId13"/>
+    <p:handoutMasterId r:id="rId14"/>
   </p:handoutMasterIdLst>
   <p:sldIdLst>
     <p:sldId id="269" r:id="rId2"/>
@@ -21,6 +21,7 @@
     <p:sldId id="274" r:id="rId9"/>
     <p:sldId id="275" r:id="rId10"/>
     <p:sldId id="276" r:id="rId11"/>
+    <p:sldId id="277" r:id="rId12"/>
   </p:sldIdLst>
   <p:sldSz cx="12192000" cy="6858000"/>
   <p:notesSz cx="6858000" cy="9144000"/>
@@ -235,7 +236,7 @@
           <a:p>
             <a:fld id="{D0EBDA14-F0DF-4D60-9FD2-F050CD743FF6}" type="datetimeFigureOut">
               <a:rPr lang="ko-KR" altLang="en-US" smtClean="0"/>
-              <a:t>2025-12-16</a:t>
+              <a:t>2025-12-17</a:t>
             </a:fld>
             <a:endParaRPr lang="ko-KR" altLang="en-US"/>
           </a:p>
@@ -412,7 +413,7 @@
           <a:p>
             <a:fld id="{ABE0771A-8A98-4426-9223-571B9E566954}" type="datetimeFigureOut">
               <a:rPr lang="ko-KR" altLang="en-US" smtClean="0"/>
-              <a:t>2025-12-16</a:t>
+              <a:t>2025-12-17</a:t>
             </a:fld>
             <a:endParaRPr lang="ko-KR" altLang="en-US"/>
           </a:p>
@@ -1472,7 +1473,7 @@
           <a:p>
             <a:fld id="{48F0192D-4F2D-4D2A-947F-27C1FE90F9E9}" type="datetimeFigureOut">
               <a:rPr lang="ko-KR" altLang="en-US" smtClean="0"/>
-              <a:t>2025-12-16</a:t>
+              <a:t>2025-12-17</a:t>
             </a:fld>
             <a:endParaRPr lang="ko-KR" altLang="en-US"/>
           </a:p>
@@ -1652,7 +1653,7 @@
           <a:p>
             <a:fld id="{48F0192D-4F2D-4D2A-947F-27C1FE90F9E9}" type="datetimeFigureOut">
               <a:rPr lang="ko-KR" altLang="en-US" smtClean="0"/>
-              <a:t>2025-12-16</a:t>
+              <a:t>2025-12-17</a:t>
             </a:fld>
             <a:endParaRPr lang="ko-KR" altLang="en-US"/>
           </a:p>
@@ -1842,7 +1843,7 @@
           <a:p>
             <a:fld id="{48F0192D-4F2D-4D2A-947F-27C1FE90F9E9}" type="datetimeFigureOut">
               <a:rPr lang="ko-KR" altLang="en-US" smtClean="0"/>
-              <a:t>2025-12-16</a:t>
+              <a:t>2025-12-17</a:t>
             </a:fld>
             <a:endParaRPr lang="ko-KR" altLang="en-US"/>
           </a:p>
@@ -2056,7 +2057,7 @@
           <a:p>
             <a:fld id="{48F0192D-4F2D-4D2A-947F-27C1FE90F9E9}" type="datetimeFigureOut">
               <a:rPr lang="ko-KR" altLang="en-US" smtClean="0"/>
-              <a:t>2025-12-16</a:t>
+              <a:t>2025-12-17</a:t>
             </a:fld>
             <a:endParaRPr lang="ko-KR" altLang="en-US"/>
           </a:p>
@@ -2313,7 +2314,7 @@
           <a:p>
             <a:fld id="{48F0192D-4F2D-4D2A-947F-27C1FE90F9E9}" type="datetimeFigureOut">
               <a:rPr lang="ko-KR" altLang="en-US" smtClean="0"/>
-              <a:t>2025-12-16</a:t>
+              <a:t>2025-12-17</a:t>
             </a:fld>
             <a:endParaRPr lang="ko-KR" altLang="en-US"/>
           </a:p>
@@ -2610,7 +2611,7 @@
           <a:p>
             <a:fld id="{48F0192D-4F2D-4D2A-947F-27C1FE90F9E9}" type="datetimeFigureOut">
               <a:rPr lang="ko-KR" altLang="en-US" smtClean="0"/>
-              <a:t>2025-12-16</a:t>
+              <a:t>2025-12-17</a:t>
             </a:fld>
             <a:endParaRPr lang="ko-KR" altLang="en-US"/>
           </a:p>
@@ -3041,7 +3042,7 @@
           <a:p>
             <a:fld id="{48F0192D-4F2D-4D2A-947F-27C1FE90F9E9}" type="datetimeFigureOut">
               <a:rPr lang="ko-KR" altLang="en-US" smtClean="0"/>
-              <a:t>2025-12-16</a:t>
+              <a:t>2025-12-17</a:t>
             </a:fld>
             <a:endParaRPr lang="ko-KR" altLang="en-US"/>
           </a:p>
@@ -3170,7 +3171,7 @@
           <a:p>
             <a:fld id="{48F0192D-4F2D-4D2A-947F-27C1FE90F9E9}" type="datetimeFigureOut">
               <a:rPr lang="ko-KR" altLang="en-US" smtClean="0"/>
-              <a:t>2025-12-16</a:t>
+              <a:t>2025-12-17</a:t>
             </a:fld>
             <a:endParaRPr lang="ko-KR" altLang="en-US"/>
           </a:p>
@@ -3277,7 +3278,7 @@
           <a:p>
             <a:fld id="{48F0192D-4F2D-4D2A-947F-27C1FE90F9E9}" type="datetimeFigureOut">
               <a:rPr lang="ko-KR" altLang="en-US" smtClean="0"/>
-              <a:t>2025-12-16</a:t>
+              <a:t>2025-12-17</a:t>
             </a:fld>
             <a:endParaRPr lang="ko-KR" altLang="en-US"/>
           </a:p>
@@ -3564,7 +3565,7 @@
           <a:p>
             <a:fld id="{48F0192D-4F2D-4D2A-947F-27C1FE90F9E9}" type="datetimeFigureOut">
               <a:rPr lang="ko-KR" altLang="en-US" smtClean="0"/>
-              <a:t>2025-12-16</a:t>
+              <a:t>2025-12-17</a:t>
             </a:fld>
             <a:endParaRPr lang="ko-KR" altLang="en-US"/>
           </a:p>
@@ -3834,7 +3835,7 @@
           <a:p>
             <a:fld id="{48F0192D-4F2D-4D2A-947F-27C1FE90F9E9}" type="datetimeFigureOut">
               <a:rPr lang="ko-KR" altLang="en-US" smtClean="0"/>
-              <a:t>2025-12-16</a:t>
+              <a:t>2025-12-17</a:t>
             </a:fld>
             <a:endParaRPr lang="ko-KR" altLang="en-US"/>
           </a:p>
@@ -4112,7 +4113,7 @@
           <a:p>
             <a:fld id="{48F0192D-4F2D-4D2A-947F-27C1FE90F9E9}" type="datetimeFigureOut">
               <a:rPr lang="ko-KR" altLang="en-US" smtClean="0"/>
-              <a:t>2025-12-16</a:t>
+              <a:t>2025-12-17</a:t>
             </a:fld>
             <a:endParaRPr lang="ko-KR" altLang="en-US"/>
           </a:p>
@@ -6383,6 +6384,1969 @@
     <p:extLst>
       <p:ext uri="{BB962C8B-B14F-4D97-AF65-F5344CB8AC3E}">
         <p14:creationId xmlns:p14="http://schemas.microsoft.com/office/powerpoint/2010/main" val="1775077506"/>
+      </p:ext>
+    </p:extLst>
+  </p:cSld>
+  <p:clrMapOvr>
+    <a:masterClrMapping/>
+  </p:clrMapOvr>
+</p:sld>
+</file>
+
+<file path=ppt/slides/slide11.xml><?xml version="1.0" encoding="utf-8"?>
+<p:sld xmlns:a="http://schemas.openxmlformats.org/drawingml/2006/main" xmlns:r="http://schemas.openxmlformats.org/officeDocument/2006/relationships" xmlns:p="http://schemas.openxmlformats.org/presentationml/2006/main">
+  <p:cSld>
+    <p:spTree>
+      <p:nvGrpSpPr>
+        <p:cNvPr id="1" name="">
+          <a:extLst>
+            <a:ext uri="{FF2B5EF4-FFF2-40B4-BE49-F238E27FC236}">
+              <a16:creationId xmlns:a16="http://schemas.microsoft.com/office/drawing/2014/main" id="{95E458C5-0511-639B-E920-7EC8CECDFE0B}"/>
+            </a:ext>
+          </a:extLst>
+        </p:cNvPr>
+        <p:cNvGrpSpPr/>
+        <p:nvPr/>
+      </p:nvGrpSpPr>
+      <p:grpSpPr>
+        <a:xfrm>
+          <a:off x="0" y="0"/>
+          <a:ext cx="0" cy="0"/>
+          <a:chOff x="0" y="0"/>
+          <a:chExt cx="0" cy="0"/>
+        </a:xfrm>
+      </p:grpSpPr>
+      <p:sp>
+        <p:nvSpPr>
+          <p:cNvPr id="2" name="제목 1">
+            <a:extLst>
+              <a:ext uri="{FF2B5EF4-FFF2-40B4-BE49-F238E27FC236}">
+                <a16:creationId xmlns:a16="http://schemas.microsoft.com/office/drawing/2014/main" id="{BF17DC7B-BE59-01A1-9E32-30ACB4D8BC20}"/>
+              </a:ext>
+            </a:extLst>
+          </p:cNvPr>
+          <p:cNvSpPr>
+            <a:spLocks noGrp="1"/>
+          </p:cNvSpPr>
+          <p:nvPr>
+            <p:ph type="title"/>
+          </p:nvPr>
+        </p:nvSpPr>
+        <p:spPr/>
+        <p:txBody>
+          <a:bodyPr/>
+          <a:lstStyle/>
+          <a:p>
+            <a:pPr algn="ctr"/>
+            <a:r>
+              <a:rPr lang="ko-KR" altLang="en-US" dirty="0"/>
+              <a:t>응용</a:t>
+            </a:r>
+            <a:r>
+              <a:rPr lang="en-US" altLang="ko-KR" dirty="0"/>
+              <a:t>: </a:t>
+            </a:r>
+            <a:r>
+              <a:rPr lang="en-US" altLang="ko-KR" dirty="0" err="1"/>
+              <a:t>AvgMode</a:t>
+            </a:r>
+            <a:r>
+              <a:rPr lang="ko-KR" altLang="en-US" dirty="0"/>
+              <a:t>를 이용한 </a:t>
+            </a:r>
+            <a:r>
+              <a:rPr lang="en-US" altLang="ko-KR" dirty="0"/>
+              <a:t>100ms</a:t>
+            </a:r>
+            <a:r>
+              <a:rPr lang="ko-KR" altLang="en-US" dirty="0"/>
+              <a:t>간격 </a:t>
+            </a:r>
+            <a:r>
+              <a:rPr lang="en-US" altLang="ko-KR" dirty="0"/>
+              <a:t>8</a:t>
+            </a:r>
+            <a:r>
+              <a:rPr lang="ko-KR" altLang="en-US" dirty="0"/>
+              <a:t>번 수집하여 평균</a:t>
+            </a:r>
+            <a:endParaRPr lang="ko-KR" altLang="en-US" dirty="0">
+              <a:latin typeface="+mn-lt"/>
+            </a:endParaRPr>
+          </a:p>
+        </p:txBody>
+      </p:sp>
+      <p:sp>
+        <p:nvSpPr>
+          <p:cNvPr id="4" name="TextBox 3">
+            <a:extLst>
+              <a:ext uri="{FF2B5EF4-FFF2-40B4-BE49-F238E27FC236}">
+                <a16:creationId xmlns:a16="http://schemas.microsoft.com/office/drawing/2014/main" id="{99F1A2C7-8120-EEF4-F2CD-FC44F67AE21B}"/>
+              </a:ext>
+            </a:extLst>
+          </p:cNvPr>
+          <p:cNvSpPr txBox="1"/>
+          <p:nvPr/>
+        </p:nvSpPr>
+        <p:spPr>
+          <a:xfrm>
+            <a:off x="522514" y="1154858"/>
+            <a:ext cx="5199017" cy="4927887"/>
+          </a:xfrm>
+          <a:prstGeom prst="rect">
+            <a:avLst/>
+          </a:prstGeom>
+          <a:solidFill>
+            <a:schemeClr val="tx1">
+              <a:lumMod val="85000"/>
+              <a:lumOff val="15000"/>
+            </a:schemeClr>
+          </a:solidFill>
+        </p:spPr>
+        <p:txBody>
+          <a:bodyPr wrap="square">
+            <a:spAutoFit/>
+          </a:bodyPr>
+          <a:lstStyle/>
+          <a:p>
+            <a:pPr>
+              <a:lnSpc>
+                <a:spcPts val="1425"/>
+              </a:lnSpc>
+              <a:buNone/>
+            </a:pPr>
+            <a:r>
+              <a:rPr lang="en-US" altLang="ko-KR" sz="1000" b="0" dirty="0">
+                <a:solidFill>
+                  <a:srgbClr val="569CD6"/>
+                </a:solidFill>
+                <a:effectLst/>
+                <a:latin typeface="Consolas" panose="020B0609020204030204" pitchFamily="49" charset="0"/>
+              </a:rPr>
+              <a:t>volatile</a:t>
+            </a:r>
+            <a:r>
+              <a:rPr lang="en-US" altLang="ko-KR" sz="1000" b="0" dirty="0">
+                <a:solidFill>
+                  <a:srgbClr val="CCCCCC"/>
+                </a:solidFill>
+                <a:effectLst/>
+                <a:latin typeface="Consolas" panose="020B0609020204030204" pitchFamily="49" charset="0"/>
+              </a:rPr>
+              <a:t> </a:t>
+            </a:r>
+            <a:r>
+              <a:rPr lang="en-US" altLang="ko-KR" sz="1000" b="0" dirty="0">
+                <a:solidFill>
+                  <a:srgbClr val="569CD6"/>
+                </a:solidFill>
+                <a:effectLst/>
+                <a:latin typeface="Consolas" panose="020B0609020204030204" pitchFamily="49" charset="0"/>
+              </a:rPr>
+              <a:t>uint16_t</a:t>
+            </a:r>
+            <a:r>
+              <a:rPr lang="en-US" altLang="ko-KR" sz="1000" b="0" dirty="0">
+                <a:solidFill>
+                  <a:srgbClr val="CCCCCC"/>
+                </a:solidFill>
+                <a:effectLst/>
+                <a:latin typeface="Consolas" panose="020B0609020204030204" pitchFamily="49" charset="0"/>
+              </a:rPr>
+              <a:t> </a:t>
+            </a:r>
+            <a:r>
+              <a:rPr lang="en-US" altLang="ko-KR" sz="1000" b="0" dirty="0" err="1">
+                <a:solidFill>
+                  <a:srgbClr val="9CDCFE"/>
+                </a:solidFill>
+                <a:effectLst/>
+                <a:latin typeface="Consolas" panose="020B0609020204030204" pitchFamily="49" charset="0"/>
+              </a:rPr>
+              <a:t>avg_val</a:t>
+            </a:r>
+            <a:r>
+              <a:rPr lang="en-US" altLang="ko-KR" sz="1000" b="0" dirty="0">
+                <a:solidFill>
+                  <a:srgbClr val="CCCCCC"/>
+                </a:solidFill>
+                <a:effectLst/>
+                <a:latin typeface="Consolas" panose="020B0609020204030204" pitchFamily="49" charset="0"/>
+              </a:rPr>
+              <a:t>;</a:t>
+            </a:r>
+          </a:p>
+          <a:p>
+            <a:pPr>
+              <a:lnSpc>
+                <a:spcPts val="1425"/>
+              </a:lnSpc>
+              <a:buNone/>
+            </a:pPr>
+            <a:br>
+              <a:rPr lang="en-US" altLang="ko-KR" sz="1000" b="0" dirty="0">
+                <a:solidFill>
+                  <a:srgbClr val="CCCCCC"/>
+                </a:solidFill>
+                <a:effectLst/>
+                <a:latin typeface="Consolas" panose="020B0609020204030204" pitchFamily="49" charset="0"/>
+              </a:rPr>
+            </a:br>
+            <a:r>
+              <a:rPr lang="en-US" altLang="ko-KR" sz="1000" b="0" dirty="0">
+                <a:solidFill>
+                  <a:srgbClr val="569CD6"/>
+                </a:solidFill>
+                <a:effectLst/>
+                <a:latin typeface="Consolas" panose="020B0609020204030204" pitchFamily="49" charset="0"/>
+              </a:rPr>
+              <a:t>void</a:t>
+            </a:r>
+            <a:r>
+              <a:rPr lang="en-US" altLang="ko-KR" sz="1000" b="0" dirty="0">
+                <a:solidFill>
+                  <a:srgbClr val="CCCCCC"/>
+                </a:solidFill>
+                <a:effectLst/>
+                <a:latin typeface="Consolas" panose="020B0609020204030204" pitchFamily="49" charset="0"/>
+              </a:rPr>
+              <a:t> </a:t>
+            </a:r>
+            <a:r>
+              <a:rPr lang="en-US" altLang="ko-KR" sz="1000" b="0" dirty="0" err="1">
+                <a:solidFill>
+                  <a:srgbClr val="DCDCAA"/>
+                </a:solidFill>
+                <a:effectLst/>
+                <a:latin typeface="Consolas" panose="020B0609020204030204" pitchFamily="49" charset="0"/>
+              </a:rPr>
+              <a:t>my_ADCC_ThresholdISR</a:t>
+            </a:r>
+            <a:r>
+              <a:rPr lang="en-US" altLang="ko-KR" sz="1000" b="0" dirty="0">
+                <a:solidFill>
+                  <a:srgbClr val="CCCCCC"/>
+                </a:solidFill>
+                <a:effectLst/>
+                <a:latin typeface="Consolas" panose="020B0609020204030204" pitchFamily="49" charset="0"/>
+              </a:rPr>
+              <a:t>(</a:t>
+            </a:r>
+            <a:r>
+              <a:rPr lang="en-US" altLang="ko-KR" sz="1000" b="0" dirty="0">
+                <a:solidFill>
+                  <a:srgbClr val="569CD6"/>
+                </a:solidFill>
+                <a:effectLst/>
+                <a:latin typeface="Consolas" panose="020B0609020204030204" pitchFamily="49" charset="0"/>
+              </a:rPr>
+              <a:t>void</a:t>
+            </a:r>
+            <a:r>
+              <a:rPr lang="en-US" altLang="ko-KR" sz="1000" b="0" dirty="0">
+                <a:solidFill>
+                  <a:srgbClr val="CCCCCC"/>
+                </a:solidFill>
+                <a:effectLst/>
+                <a:latin typeface="Consolas" panose="020B0609020204030204" pitchFamily="49" charset="0"/>
+              </a:rPr>
+              <a:t>) {</a:t>
+            </a:r>
+          </a:p>
+          <a:p>
+            <a:pPr>
+              <a:lnSpc>
+                <a:spcPts val="1425"/>
+              </a:lnSpc>
+              <a:buNone/>
+            </a:pPr>
+            <a:r>
+              <a:rPr lang="en-US" altLang="ko-KR" sz="1000" b="0" dirty="0">
+                <a:solidFill>
+                  <a:srgbClr val="CCCCCC"/>
+                </a:solidFill>
+                <a:effectLst/>
+                <a:latin typeface="Consolas" panose="020B0609020204030204" pitchFamily="49" charset="0"/>
+              </a:rPr>
+              <a:t>    </a:t>
+            </a:r>
+            <a:r>
+              <a:rPr lang="en-US" altLang="ko-KR" sz="1000" b="0" dirty="0" err="1">
+                <a:solidFill>
+                  <a:srgbClr val="9CDCFE"/>
+                </a:solidFill>
+                <a:effectLst/>
+                <a:latin typeface="Consolas" panose="020B0609020204030204" pitchFamily="49" charset="0"/>
+              </a:rPr>
+              <a:t>avg_val</a:t>
+            </a:r>
+            <a:r>
+              <a:rPr lang="en-US" altLang="ko-KR" sz="1000" b="0" dirty="0">
+                <a:solidFill>
+                  <a:srgbClr val="D4D4D4"/>
+                </a:solidFill>
+                <a:effectLst/>
+                <a:latin typeface="Consolas" panose="020B0609020204030204" pitchFamily="49" charset="0"/>
+              </a:rPr>
+              <a:t>=</a:t>
+            </a:r>
+            <a:r>
+              <a:rPr lang="en-US" altLang="ko-KR" sz="1000" b="0" dirty="0">
+                <a:solidFill>
+                  <a:srgbClr val="CCCCCC"/>
+                </a:solidFill>
+                <a:effectLst/>
+                <a:latin typeface="Consolas" panose="020B0609020204030204" pitchFamily="49" charset="0"/>
+              </a:rPr>
+              <a:t> </a:t>
+            </a:r>
+            <a:r>
+              <a:rPr lang="en-US" altLang="ko-KR" sz="1000" b="0" dirty="0" err="1">
+                <a:solidFill>
+                  <a:srgbClr val="DCDCAA"/>
+                </a:solidFill>
+                <a:effectLst/>
+                <a:latin typeface="Consolas" panose="020B0609020204030204" pitchFamily="49" charset="0"/>
+              </a:rPr>
+              <a:t>ADCC_GetFilterValue</a:t>
+            </a:r>
+            <a:r>
+              <a:rPr lang="en-US" altLang="ko-KR" sz="1000" b="0" dirty="0">
+                <a:solidFill>
+                  <a:srgbClr val="CCCCCC"/>
+                </a:solidFill>
+                <a:effectLst/>
+                <a:latin typeface="Consolas" panose="020B0609020204030204" pitchFamily="49" charset="0"/>
+              </a:rPr>
+              <a:t>();</a:t>
+            </a:r>
+            <a:r>
+              <a:rPr lang="en-US" altLang="ko-KR" sz="1000" b="0" dirty="0">
+                <a:solidFill>
+                  <a:srgbClr val="6A9955"/>
+                </a:solidFill>
+                <a:effectLst/>
+                <a:latin typeface="Consolas" panose="020B0609020204030204" pitchFamily="49" charset="0"/>
+              </a:rPr>
+              <a:t>  // </a:t>
+            </a:r>
+            <a:r>
+              <a:rPr lang="ko-KR" altLang="en-US" sz="1000" b="0" dirty="0">
+                <a:solidFill>
+                  <a:srgbClr val="6A9955"/>
+                </a:solidFill>
+                <a:effectLst/>
+                <a:latin typeface="Consolas" panose="020B0609020204030204" pitchFamily="49" charset="0"/>
+              </a:rPr>
+              <a:t>평균값 반환</a:t>
+            </a:r>
+            <a:endParaRPr lang="ko-KR" altLang="en-US" sz="1000" b="0" dirty="0">
+              <a:solidFill>
+                <a:srgbClr val="CCCCCC"/>
+              </a:solidFill>
+              <a:effectLst/>
+              <a:latin typeface="Consolas" panose="020B0609020204030204" pitchFamily="49" charset="0"/>
+            </a:endParaRPr>
+          </a:p>
+          <a:p>
+            <a:pPr>
+              <a:lnSpc>
+                <a:spcPts val="1425"/>
+              </a:lnSpc>
+              <a:buNone/>
+            </a:pPr>
+            <a:r>
+              <a:rPr lang="en-US" altLang="ko-KR" sz="1000" b="0" dirty="0">
+                <a:solidFill>
+                  <a:srgbClr val="CCCCCC"/>
+                </a:solidFill>
+                <a:effectLst/>
+                <a:latin typeface="Consolas" panose="020B0609020204030204" pitchFamily="49" charset="0"/>
+              </a:rPr>
+              <a:t>}</a:t>
+            </a:r>
+          </a:p>
+          <a:p>
+            <a:pPr>
+              <a:lnSpc>
+                <a:spcPts val="1425"/>
+              </a:lnSpc>
+              <a:buNone/>
+            </a:pPr>
+            <a:br>
+              <a:rPr lang="en-US" altLang="ko-KR" sz="1000" b="0" dirty="0">
+                <a:solidFill>
+                  <a:srgbClr val="CCCCCC"/>
+                </a:solidFill>
+                <a:effectLst/>
+                <a:latin typeface="Consolas" panose="020B0609020204030204" pitchFamily="49" charset="0"/>
+              </a:rPr>
+            </a:br>
+            <a:r>
+              <a:rPr lang="en-US" altLang="ko-KR" sz="1000" b="0" dirty="0">
+                <a:solidFill>
+                  <a:srgbClr val="569CD6"/>
+                </a:solidFill>
+                <a:effectLst/>
+                <a:latin typeface="Consolas" panose="020B0609020204030204" pitchFamily="49" charset="0"/>
+              </a:rPr>
+              <a:t>void</a:t>
+            </a:r>
+            <a:r>
+              <a:rPr lang="en-US" altLang="ko-KR" sz="1000" b="0" dirty="0">
+                <a:solidFill>
+                  <a:srgbClr val="CCCCCC"/>
+                </a:solidFill>
+                <a:effectLst/>
+                <a:latin typeface="Consolas" panose="020B0609020204030204" pitchFamily="49" charset="0"/>
+              </a:rPr>
+              <a:t> </a:t>
+            </a:r>
+            <a:r>
+              <a:rPr lang="en-US" altLang="ko-KR" sz="1000" b="0" dirty="0" err="1">
+                <a:solidFill>
+                  <a:srgbClr val="DCDCAA"/>
+                </a:solidFill>
+                <a:effectLst/>
+                <a:latin typeface="Consolas" panose="020B0609020204030204" pitchFamily="49" charset="0"/>
+              </a:rPr>
+              <a:t>test_adc</a:t>
+            </a:r>
+            <a:r>
+              <a:rPr lang="en-US" altLang="ko-KR" sz="1000" b="0" dirty="0">
+                <a:solidFill>
+                  <a:srgbClr val="CCCCCC"/>
+                </a:solidFill>
+                <a:effectLst/>
+                <a:latin typeface="Consolas" panose="020B0609020204030204" pitchFamily="49" charset="0"/>
+              </a:rPr>
+              <a:t>() {</a:t>
+            </a:r>
+          </a:p>
+          <a:p>
+            <a:pPr>
+              <a:lnSpc>
+                <a:spcPts val="1425"/>
+              </a:lnSpc>
+              <a:buNone/>
+            </a:pPr>
+            <a:r>
+              <a:rPr lang="en-US" altLang="ko-KR" sz="1000" b="0" dirty="0">
+                <a:solidFill>
+                  <a:srgbClr val="CCCCCC"/>
+                </a:solidFill>
+                <a:effectLst/>
+                <a:latin typeface="Consolas" panose="020B0609020204030204" pitchFamily="49" charset="0"/>
+              </a:rPr>
+              <a:t>    </a:t>
+            </a:r>
+            <a:r>
+              <a:rPr lang="en-US" altLang="ko-KR" sz="1000" b="0" dirty="0">
+                <a:solidFill>
+                  <a:srgbClr val="569CD6"/>
+                </a:solidFill>
+                <a:effectLst/>
+                <a:latin typeface="Consolas" panose="020B0609020204030204" pitchFamily="49" charset="0"/>
+              </a:rPr>
+              <a:t>uint16_t</a:t>
+            </a:r>
+            <a:r>
+              <a:rPr lang="en-US" altLang="ko-KR" sz="1000" b="0" dirty="0">
+                <a:solidFill>
+                  <a:srgbClr val="CCCCCC"/>
+                </a:solidFill>
+                <a:effectLst/>
+                <a:latin typeface="Consolas" panose="020B0609020204030204" pitchFamily="49" charset="0"/>
+              </a:rPr>
+              <a:t> </a:t>
+            </a:r>
+            <a:r>
+              <a:rPr lang="en-US" altLang="ko-KR" sz="1000" b="0" dirty="0" err="1">
+                <a:solidFill>
+                  <a:srgbClr val="9CDCFE"/>
+                </a:solidFill>
+                <a:effectLst/>
+                <a:latin typeface="Consolas" panose="020B0609020204030204" pitchFamily="49" charset="0"/>
+              </a:rPr>
+              <a:t>adc</a:t>
+            </a:r>
+            <a:r>
+              <a:rPr lang="en-US" altLang="ko-KR" sz="1000" b="0" dirty="0">
+                <a:solidFill>
+                  <a:srgbClr val="CCCCCC"/>
+                </a:solidFill>
+                <a:effectLst/>
+                <a:latin typeface="Consolas" panose="020B0609020204030204" pitchFamily="49" charset="0"/>
+              </a:rPr>
+              <a:t>[</a:t>
+            </a:r>
+            <a:r>
+              <a:rPr lang="en-US" altLang="ko-KR" sz="1000" b="0" dirty="0">
+                <a:solidFill>
+                  <a:srgbClr val="B5CEA8"/>
+                </a:solidFill>
+                <a:effectLst/>
+                <a:latin typeface="Consolas" panose="020B0609020204030204" pitchFamily="49" charset="0"/>
+              </a:rPr>
+              <a:t>5</a:t>
+            </a:r>
+            <a:r>
+              <a:rPr lang="en-US" altLang="ko-KR" sz="1000" b="0" dirty="0">
+                <a:solidFill>
+                  <a:srgbClr val="CCCCCC"/>
+                </a:solidFill>
+                <a:effectLst/>
+                <a:latin typeface="Consolas" panose="020B0609020204030204" pitchFamily="49" charset="0"/>
+              </a:rPr>
+              <a:t>];</a:t>
+            </a:r>
+          </a:p>
+          <a:p>
+            <a:pPr>
+              <a:lnSpc>
+                <a:spcPts val="1425"/>
+              </a:lnSpc>
+              <a:buNone/>
+            </a:pPr>
+            <a:r>
+              <a:rPr lang="en-US" altLang="ko-KR" sz="1000" b="0" dirty="0">
+                <a:solidFill>
+                  <a:srgbClr val="CCCCCC"/>
+                </a:solidFill>
+                <a:effectLst/>
+                <a:latin typeface="Consolas" panose="020B0609020204030204" pitchFamily="49" charset="0"/>
+              </a:rPr>
+              <a:t>    </a:t>
+            </a:r>
+            <a:r>
+              <a:rPr lang="en-US" altLang="ko-KR" sz="1000" b="0" dirty="0">
+                <a:solidFill>
+                  <a:srgbClr val="569CD6"/>
+                </a:solidFill>
+                <a:effectLst/>
+                <a:latin typeface="Consolas" panose="020B0609020204030204" pitchFamily="49" charset="0"/>
+              </a:rPr>
+              <a:t>uint8_t</a:t>
+            </a:r>
+            <a:r>
+              <a:rPr lang="en-US" altLang="ko-KR" sz="1000" b="0" dirty="0">
+                <a:solidFill>
+                  <a:srgbClr val="CCCCCC"/>
+                </a:solidFill>
+                <a:effectLst/>
+                <a:latin typeface="Consolas" panose="020B0609020204030204" pitchFamily="49" charset="0"/>
+              </a:rPr>
+              <a:t> </a:t>
+            </a:r>
+            <a:r>
+              <a:rPr lang="en-US" altLang="ko-KR" sz="1000" b="0" dirty="0" err="1">
+                <a:solidFill>
+                  <a:srgbClr val="9CDCFE"/>
+                </a:solidFill>
+                <a:effectLst/>
+                <a:latin typeface="Consolas" panose="020B0609020204030204" pitchFamily="49" charset="0"/>
+              </a:rPr>
+              <a:t>cntConversion</a:t>
+            </a:r>
+            <a:r>
+              <a:rPr lang="en-US" altLang="ko-KR" sz="1000" b="0" dirty="0">
+                <a:solidFill>
+                  <a:srgbClr val="CCCCCC"/>
+                </a:solidFill>
+                <a:effectLst/>
+                <a:latin typeface="Consolas" panose="020B0609020204030204" pitchFamily="49" charset="0"/>
+              </a:rPr>
+              <a:t>;</a:t>
+            </a:r>
+          </a:p>
+          <a:p>
+            <a:pPr>
+              <a:lnSpc>
+                <a:spcPts val="1425"/>
+              </a:lnSpc>
+              <a:buNone/>
+            </a:pPr>
+            <a:endParaRPr lang="en-US" altLang="ko-KR" sz="1000" b="0" dirty="0">
+              <a:solidFill>
+                <a:srgbClr val="CCCCCC"/>
+              </a:solidFill>
+              <a:effectLst/>
+              <a:latin typeface="Consolas" panose="020B0609020204030204" pitchFamily="49" charset="0"/>
+            </a:endParaRPr>
+          </a:p>
+          <a:p>
+            <a:pPr>
+              <a:lnSpc>
+                <a:spcPts val="1425"/>
+              </a:lnSpc>
+              <a:buNone/>
+            </a:pPr>
+            <a:r>
+              <a:rPr lang="en-US" altLang="ko-KR" sz="1000" b="0" dirty="0">
+                <a:solidFill>
+                  <a:srgbClr val="CCCCCC"/>
+                </a:solidFill>
+                <a:effectLst/>
+                <a:latin typeface="Consolas" panose="020B0609020204030204" pitchFamily="49" charset="0"/>
+              </a:rPr>
+              <a:t>    </a:t>
+            </a:r>
+            <a:r>
+              <a:rPr lang="en-US" altLang="ko-KR" sz="1000" b="0" dirty="0" err="1">
+                <a:solidFill>
+                  <a:srgbClr val="DCDCAA"/>
+                </a:solidFill>
+                <a:effectLst/>
+                <a:latin typeface="Consolas" panose="020B0609020204030204" pitchFamily="49" charset="0"/>
+              </a:rPr>
+              <a:t>dbg_printf</a:t>
+            </a:r>
+            <a:r>
+              <a:rPr lang="en-US" altLang="ko-KR" sz="1000" b="0" dirty="0">
+                <a:solidFill>
+                  <a:srgbClr val="CCCCCC"/>
+                </a:solidFill>
+                <a:effectLst/>
+                <a:latin typeface="Consolas" panose="020B0609020204030204" pitchFamily="49" charset="0"/>
+              </a:rPr>
+              <a:t>(</a:t>
+            </a:r>
+            <a:r>
+              <a:rPr lang="en-US" altLang="ko-KR" sz="1000" b="0" dirty="0">
+                <a:solidFill>
+                  <a:srgbClr val="CE9178"/>
+                </a:solidFill>
+                <a:effectLst/>
+                <a:latin typeface="Consolas" panose="020B0609020204030204" pitchFamily="49" charset="0"/>
+              </a:rPr>
+              <a:t>"ADC Test Start</a:t>
+            </a:r>
+            <a:r>
+              <a:rPr lang="en-US" altLang="ko-KR" sz="1000" b="0" dirty="0">
+                <a:solidFill>
+                  <a:srgbClr val="D7BA7D"/>
+                </a:solidFill>
+                <a:effectLst/>
+                <a:latin typeface="Consolas" panose="020B0609020204030204" pitchFamily="49" charset="0"/>
+              </a:rPr>
+              <a:t>\n</a:t>
+            </a:r>
+            <a:r>
+              <a:rPr lang="en-US" altLang="ko-KR" sz="1000" b="0" dirty="0">
+                <a:solidFill>
+                  <a:srgbClr val="CE9178"/>
+                </a:solidFill>
+                <a:effectLst/>
+                <a:latin typeface="Consolas" panose="020B0609020204030204" pitchFamily="49" charset="0"/>
+              </a:rPr>
+              <a:t>"</a:t>
+            </a:r>
+            <a:r>
+              <a:rPr lang="en-US" altLang="ko-KR" sz="1000" b="0" dirty="0">
+                <a:solidFill>
+                  <a:srgbClr val="CCCCCC"/>
+                </a:solidFill>
+                <a:effectLst/>
+                <a:latin typeface="Consolas" panose="020B0609020204030204" pitchFamily="49" charset="0"/>
+              </a:rPr>
+              <a:t>);</a:t>
+            </a:r>
+          </a:p>
+          <a:p>
+            <a:pPr>
+              <a:lnSpc>
+                <a:spcPts val="1425"/>
+              </a:lnSpc>
+              <a:buNone/>
+            </a:pPr>
+            <a:r>
+              <a:rPr lang="en-US" altLang="ko-KR" sz="1000" b="0" dirty="0">
+                <a:solidFill>
+                  <a:srgbClr val="CCCCCC"/>
+                </a:solidFill>
+                <a:effectLst/>
+                <a:latin typeface="Consolas" panose="020B0609020204030204" pitchFamily="49" charset="0"/>
+              </a:rPr>
+              <a:t>    </a:t>
+            </a:r>
+            <a:r>
+              <a:rPr lang="en-US" altLang="ko-KR" sz="1000" b="0" dirty="0">
+                <a:solidFill>
+                  <a:srgbClr val="6A9955"/>
+                </a:solidFill>
+                <a:effectLst/>
+                <a:latin typeface="Consolas" panose="020B0609020204030204" pitchFamily="49" charset="0"/>
+              </a:rPr>
+              <a:t>//</a:t>
+            </a:r>
+            <a:r>
+              <a:rPr lang="en-US" altLang="ko-KR" sz="1000" b="0" dirty="0" err="1">
+                <a:solidFill>
+                  <a:srgbClr val="6A9955"/>
+                </a:solidFill>
+                <a:effectLst/>
+                <a:latin typeface="Consolas" panose="020B0609020204030204" pitchFamily="49" charset="0"/>
+              </a:rPr>
+              <a:t>ADCC_SetADIInterruptHandler</a:t>
+            </a:r>
+            <a:r>
+              <a:rPr lang="en-US" altLang="ko-KR" sz="1000" b="0" dirty="0">
+                <a:solidFill>
+                  <a:srgbClr val="6A9955"/>
+                </a:solidFill>
+                <a:effectLst/>
+                <a:latin typeface="Consolas" panose="020B0609020204030204" pitchFamily="49" charset="0"/>
+              </a:rPr>
+              <a:t>(</a:t>
+            </a:r>
+            <a:r>
+              <a:rPr lang="en-US" altLang="ko-KR" sz="1000" b="0" dirty="0" err="1">
+                <a:solidFill>
+                  <a:srgbClr val="6A9955"/>
+                </a:solidFill>
+                <a:effectLst/>
+                <a:latin typeface="Consolas" panose="020B0609020204030204" pitchFamily="49" charset="0"/>
+              </a:rPr>
+              <a:t>my_ADCC_ISR</a:t>
+            </a:r>
+            <a:r>
+              <a:rPr lang="en-US" altLang="ko-KR" sz="1000" b="0" dirty="0">
+                <a:solidFill>
+                  <a:srgbClr val="6A9955"/>
+                </a:solidFill>
+                <a:effectLst/>
+                <a:latin typeface="Consolas" panose="020B0609020204030204" pitchFamily="49" charset="0"/>
+              </a:rPr>
+              <a:t>);</a:t>
+            </a:r>
+            <a:endParaRPr lang="en-US" altLang="ko-KR" sz="1000" b="0" dirty="0">
+              <a:solidFill>
+                <a:srgbClr val="CCCCCC"/>
+              </a:solidFill>
+              <a:effectLst/>
+              <a:latin typeface="Consolas" panose="020B0609020204030204" pitchFamily="49" charset="0"/>
+            </a:endParaRPr>
+          </a:p>
+          <a:p>
+            <a:pPr>
+              <a:lnSpc>
+                <a:spcPts val="1425"/>
+              </a:lnSpc>
+              <a:buNone/>
+            </a:pPr>
+            <a:r>
+              <a:rPr lang="en-US" altLang="ko-KR" sz="1000" b="0" dirty="0">
+                <a:solidFill>
+                  <a:srgbClr val="CCCCCC"/>
+                </a:solidFill>
+                <a:effectLst/>
+                <a:latin typeface="Consolas" panose="020B0609020204030204" pitchFamily="49" charset="0"/>
+              </a:rPr>
+              <a:t>    </a:t>
+            </a:r>
+            <a:r>
+              <a:rPr lang="en-US" altLang="ko-KR" sz="1000" b="0" dirty="0" err="1">
+                <a:solidFill>
+                  <a:srgbClr val="DCDCAA"/>
+                </a:solidFill>
+                <a:effectLst/>
+                <a:latin typeface="Consolas" panose="020B0609020204030204" pitchFamily="49" charset="0"/>
+              </a:rPr>
+              <a:t>ADCC_SetADTIInterruptHandler</a:t>
+            </a:r>
+            <a:r>
+              <a:rPr lang="en-US" altLang="ko-KR" sz="1000" b="0" dirty="0">
+                <a:solidFill>
+                  <a:srgbClr val="CCCCCC"/>
+                </a:solidFill>
+                <a:effectLst/>
+                <a:latin typeface="Consolas" panose="020B0609020204030204" pitchFamily="49" charset="0"/>
+              </a:rPr>
+              <a:t>(</a:t>
+            </a:r>
+            <a:r>
+              <a:rPr lang="en-US" altLang="ko-KR" sz="1000" b="0" dirty="0" err="1">
+                <a:solidFill>
+                  <a:srgbClr val="DCDCAA"/>
+                </a:solidFill>
+                <a:effectLst/>
+                <a:latin typeface="Consolas" panose="020B0609020204030204" pitchFamily="49" charset="0"/>
+              </a:rPr>
+              <a:t>my_ADCC_ThresholdISR</a:t>
+            </a:r>
+            <a:r>
+              <a:rPr lang="en-US" altLang="ko-KR" sz="1000" b="0" dirty="0">
+                <a:solidFill>
+                  <a:srgbClr val="CCCCCC"/>
+                </a:solidFill>
+                <a:effectLst/>
+                <a:latin typeface="Consolas" panose="020B0609020204030204" pitchFamily="49" charset="0"/>
+              </a:rPr>
+              <a:t>);</a:t>
+            </a:r>
+          </a:p>
+          <a:p>
+            <a:pPr>
+              <a:lnSpc>
+                <a:spcPts val="1425"/>
+              </a:lnSpc>
+              <a:buNone/>
+            </a:pPr>
+            <a:endParaRPr lang="en-US" altLang="ko-KR" sz="1000" b="0" dirty="0">
+              <a:solidFill>
+                <a:srgbClr val="CCCCCC"/>
+              </a:solidFill>
+              <a:effectLst/>
+              <a:latin typeface="Consolas" panose="020B0609020204030204" pitchFamily="49" charset="0"/>
+            </a:endParaRPr>
+          </a:p>
+          <a:p>
+            <a:pPr>
+              <a:lnSpc>
+                <a:spcPts val="1425"/>
+              </a:lnSpc>
+              <a:buNone/>
+            </a:pPr>
+            <a:r>
+              <a:rPr lang="en-US" altLang="ko-KR" sz="1000" b="0" dirty="0">
+                <a:solidFill>
+                  <a:srgbClr val="CCCCCC"/>
+                </a:solidFill>
+                <a:effectLst/>
+                <a:latin typeface="Consolas" panose="020B0609020204030204" pitchFamily="49" charset="0"/>
+              </a:rPr>
+              <a:t>    </a:t>
+            </a:r>
+            <a:r>
+              <a:rPr lang="en-US" altLang="ko-KR" sz="1000" b="0" dirty="0">
+                <a:solidFill>
+                  <a:srgbClr val="6A9955"/>
+                </a:solidFill>
+                <a:effectLst/>
+                <a:latin typeface="Consolas" panose="020B0609020204030204" pitchFamily="49" charset="0"/>
+              </a:rPr>
+              <a:t>//</a:t>
+            </a:r>
+            <a:r>
+              <a:rPr lang="en-US" altLang="ko-KR" sz="1000" b="0" dirty="0" err="1">
+                <a:solidFill>
+                  <a:srgbClr val="6A9955"/>
+                </a:solidFill>
+                <a:effectLst/>
+                <a:latin typeface="Consolas" panose="020B0609020204030204" pitchFamily="49" charset="0"/>
+              </a:rPr>
+              <a:t>ADCC_EnableContinuousConversion</a:t>
+            </a:r>
+            <a:r>
+              <a:rPr lang="en-US" altLang="ko-KR" sz="1000" b="0" dirty="0">
+                <a:solidFill>
+                  <a:srgbClr val="6A9955"/>
+                </a:solidFill>
+                <a:effectLst/>
+                <a:latin typeface="Consolas" panose="020B0609020204030204" pitchFamily="49" charset="0"/>
+              </a:rPr>
+              <a:t>();</a:t>
+            </a:r>
+            <a:endParaRPr lang="en-US" altLang="ko-KR" sz="1000" b="0" dirty="0">
+              <a:solidFill>
+                <a:srgbClr val="CCCCCC"/>
+              </a:solidFill>
+              <a:effectLst/>
+              <a:latin typeface="Consolas" panose="020B0609020204030204" pitchFamily="49" charset="0"/>
+            </a:endParaRPr>
+          </a:p>
+          <a:p>
+            <a:pPr>
+              <a:lnSpc>
+                <a:spcPts val="1425"/>
+              </a:lnSpc>
+              <a:buNone/>
+            </a:pPr>
+            <a:r>
+              <a:rPr lang="en-US" altLang="ko-KR" sz="1000" b="0" dirty="0">
+                <a:solidFill>
+                  <a:srgbClr val="CCCCCC"/>
+                </a:solidFill>
+                <a:effectLst/>
+                <a:latin typeface="Consolas" panose="020B0609020204030204" pitchFamily="49" charset="0"/>
+              </a:rPr>
+              <a:t>    </a:t>
+            </a:r>
+            <a:r>
+              <a:rPr lang="en-US" altLang="ko-KR" sz="1000" b="0" dirty="0">
+                <a:solidFill>
+                  <a:srgbClr val="6A9955"/>
+                </a:solidFill>
+                <a:effectLst/>
+                <a:latin typeface="Consolas" panose="020B0609020204030204" pitchFamily="49" charset="0"/>
+              </a:rPr>
+              <a:t>//</a:t>
+            </a:r>
+            <a:r>
+              <a:rPr lang="en-US" altLang="ko-KR" sz="1000" b="0" dirty="0" err="1">
+                <a:solidFill>
+                  <a:srgbClr val="6A9955"/>
+                </a:solidFill>
+                <a:effectLst/>
+                <a:latin typeface="Consolas" panose="020B0609020204030204" pitchFamily="49" charset="0"/>
+              </a:rPr>
+              <a:t>ADCC_DisableContinuousConversion</a:t>
+            </a:r>
+            <a:r>
+              <a:rPr lang="en-US" altLang="ko-KR" sz="1000" b="0" dirty="0">
+                <a:solidFill>
+                  <a:srgbClr val="6A9955"/>
+                </a:solidFill>
+                <a:effectLst/>
+                <a:latin typeface="Consolas" panose="020B0609020204030204" pitchFamily="49" charset="0"/>
+              </a:rPr>
+              <a:t>();</a:t>
+            </a:r>
+            <a:endParaRPr lang="en-US" altLang="ko-KR" sz="1000" b="0" dirty="0">
+              <a:solidFill>
+                <a:srgbClr val="CCCCCC"/>
+              </a:solidFill>
+              <a:effectLst/>
+              <a:latin typeface="Consolas" panose="020B0609020204030204" pitchFamily="49" charset="0"/>
+            </a:endParaRPr>
+          </a:p>
+          <a:p>
+            <a:pPr>
+              <a:lnSpc>
+                <a:spcPts val="1425"/>
+              </a:lnSpc>
+              <a:buNone/>
+            </a:pPr>
+            <a:r>
+              <a:rPr lang="en-US" altLang="ko-KR" sz="1000" b="0" dirty="0">
+                <a:solidFill>
+                  <a:srgbClr val="CCCCCC"/>
+                </a:solidFill>
+                <a:effectLst/>
+                <a:latin typeface="Consolas" panose="020B0609020204030204" pitchFamily="49" charset="0"/>
+              </a:rPr>
+              <a:t> </a:t>
+            </a:r>
+          </a:p>
+          <a:p>
+            <a:pPr>
+              <a:lnSpc>
+                <a:spcPts val="1425"/>
+              </a:lnSpc>
+              <a:buNone/>
+            </a:pPr>
+            <a:r>
+              <a:rPr lang="en-US" altLang="ko-KR" sz="1000" b="0" dirty="0">
+                <a:solidFill>
+                  <a:srgbClr val="CCCCCC"/>
+                </a:solidFill>
+                <a:effectLst/>
+                <a:latin typeface="Consolas" panose="020B0609020204030204" pitchFamily="49" charset="0"/>
+              </a:rPr>
+              <a:t>    </a:t>
+            </a:r>
+            <a:r>
+              <a:rPr lang="en-US" altLang="ko-KR" sz="1000" b="0" dirty="0" err="1">
+                <a:solidFill>
+                  <a:srgbClr val="DCDCAA"/>
+                </a:solidFill>
+                <a:effectLst/>
+                <a:latin typeface="Consolas" panose="020B0609020204030204" pitchFamily="49" charset="0"/>
+              </a:rPr>
+              <a:t>ADCC_StartConversion</a:t>
+            </a:r>
+            <a:r>
+              <a:rPr lang="en-US" altLang="ko-KR" sz="1000" b="0" dirty="0">
+                <a:solidFill>
+                  <a:srgbClr val="CCCCCC"/>
+                </a:solidFill>
+                <a:effectLst/>
+                <a:latin typeface="Consolas" panose="020B0609020204030204" pitchFamily="49" charset="0"/>
+              </a:rPr>
+              <a:t>(channel_ANA0);</a:t>
+            </a:r>
+            <a:r>
+              <a:rPr lang="en-US" altLang="ko-KR" sz="1000" b="0" dirty="0">
+                <a:solidFill>
+                  <a:srgbClr val="6A9955"/>
+                </a:solidFill>
+                <a:effectLst/>
+                <a:latin typeface="Consolas" panose="020B0609020204030204" pitchFamily="49" charset="0"/>
+              </a:rPr>
+              <a:t> // </a:t>
+            </a:r>
+            <a:r>
+              <a:rPr lang="ko-KR" altLang="en-US" sz="1000" b="0" dirty="0">
+                <a:solidFill>
+                  <a:srgbClr val="6A9955"/>
+                </a:solidFill>
+                <a:effectLst/>
+                <a:latin typeface="Consolas" panose="020B0609020204030204" pitchFamily="49" charset="0"/>
+              </a:rPr>
+              <a:t>채널선택만 필요함</a:t>
+            </a:r>
+            <a:r>
+              <a:rPr lang="en-US" altLang="ko-KR" sz="1000" b="0" dirty="0">
+                <a:solidFill>
+                  <a:srgbClr val="6A9955"/>
+                </a:solidFill>
+                <a:effectLst/>
+                <a:latin typeface="Consolas" panose="020B0609020204030204" pitchFamily="49" charset="0"/>
+              </a:rPr>
+              <a:t>.</a:t>
+            </a:r>
+            <a:endParaRPr lang="ko-KR" altLang="en-US" sz="1000" b="0" dirty="0">
+              <a:solidFill>
+                <a:srgbClr val="CCCCCC"/>
+              </a:solidFill>
+              <a:effectLst/>
+              <a:latin typeface="Consolas" panose="020B0609020204030204" pitchFamily="49" charset="0"/>
+            </a:endParaRPr>
+          </a:p>
+          <a:p>
+            <a:pPr>
+              <a:lnSpc>
+                <a:spcPts val="1425"/>
+              </a:lnSpc>
+              <a:buNone/>
+            </a:pPr>
+            <a:r>
+              <a:rPr lang="ko-KR" altLang="en-US" sz="1000" b="0" dirty="0">
+                <a:solidFill>
+                  <a:srgbClr val="CCCCCC"/>
+                </a:solidFill>
+                <a:effectLst/>
+                <a:latin typeface="Consolas" panose="020B0609020204030204" pitchFamily="49" charset="0"/>
+              </a:rPr>
+              <a:t>    </a:t>
+            </a:r>
+            <a:r>
+              <a:rPr lang="en-US" altLang="ko-KR" sz="1000" b="0" dirty="0">
+                <a:solidFill>
+                  <a:srgbClr val="C586C0"/>
+                </a:solidFill>
+                <a:effectLst/>
+                <a:latin typeface="Consolas" panose="020B0609020204030204" pitchFamily="49" charset="0"/>
+              </a:rPr>
+              <a:t>while</a:t>
+            </a:r>
+            <a:r>
+              <a:rPr lang="en-US" altLang="ko-KR" sz="1000" b="0" dirty="0">
+                <a:solidFill>
+                  <a:srgbClr val="CCCCCC"/>
+                </a:solidFill>
+                <a:effectLst/>
+                <a:latin typeface="Consolas" panose="020B0609020204030204" pitchFamily="49" charset="0"/>
+              </a:rPr>
+              <a:t> (</a:t>
+            </a:r>
+            <a:r>
+              <a:rPr lang="en-US" altLang="ko-KR" sz="1000" b="0" dirty="0">
+                <a:solidFill>
+                  <a:srgbClr val="B5CEA8"/>
+                </a:solidFill>
+                <a:effectLst/>
+                <a:latin typeface="Consolas" panose="020B0609020204030204" pitchFamily="49" charset="0"/>
+              </a:rPr>
+              <a:t>1</a:t>
+            </a:r>
+            <a:r>
+              <a:rPr lang="en-US" altLang="ko-KR" sz="1000" b="0" dirty="0">
+                <a:solidFill>
+                  <a:srgbClr val="CCCCCC"/>
+                </a:solidFill>
+                <a:effectLst/>
+                <a:latin typeface="Consolas" panose="020B0609020204030204" pitchFamily="49" charset="0"/>
+              </a:rPr>
+              <a:t>)</a:t>
+            </a:r>
+          </a:p>
+          <a:p>
+            <a:pPr>
+              <a:lnSpc>
+                <a:spcPts val="1425"/>
+              </a:lnSpc>
+              <a:buNone/>
+            </a:pPr>
+            <a:r>
+              <a:rPr lang="en-US" altLang="ko-KR" sz="1000" b="0" dirty="0">
+                <a:solidFill>
+                  <a:srgbClr val="CCCCCC"/>
+                </a:solidFill>
+                <a:effectLst/>
+                <a:latin typeface="Consolas" panose="020B0609020204030204" pitchFamily="49" charset="0"/>
+              </a:rPr>
+              <a:t>    {</a:t>
+            </a:r>
+          </a:p>
+          <a:p>
+            <a:pPr>
+              <a:lnSpc>
+                <a:spcPts val="1425"/>
+              </a:lnSpc>
+              <a:buNone/>
+            </a:pPr>
+            <a:r>
+              <a:rPr lang="en-US" altLang="ko-KR" sz="1000" b="0" dirty="0">
+                <a:solidFill>
+                  <a:srgbClr val="CCCCCC"/>
+                </a:solidFill>
+                <a:effectLst/>
+                <a:latin typeface="Consolas" panose="020B0609020204030204" pitchFamily="49" charset="0"/>
+              </a:rPr>
+              <a:t>        </a:t>
+            </a:r>
+            <a:r>
+              <a:rPr lang="en-US" altLang="ko-KR" sz="1000" b="0" dirty="0" err="1">
+                <a:solidFill>
+                  <a:srgbClr val="9CDCFE"/>
+                </a:solidFill>
+                <a:effectLst/>
+                <a:latin typeface="Consolas" panose="020B0609020204030204" pitchFamily="49" charset="0"/>
+              </a:rPr>
+              <a:t>cntConversion</a:t>
+            </a:r>
+            <a:r>
+              <a:rPr lang="en-US" altLang="ko-KR" sz="1000" b="0" dirty="0">
+                <a:solidFill>
+                  <a:srgbClr val="D4D4D4"/>
+                </a:solidFill>
+                <a:effectLst/>
+                <a:latin typeface="Consolas" panose="020B0609020204030204" pitchFamily="49" charset="0"/>
+              </a:rPr>
+              <a:t>=</a:t>
+            </a:r>
+            <a:r>
+              <a:rPr lang="en-US" altLang="ko-KR" sz="1000" b="0" dirty="0">
+                <a:solidFill>
+                  <a:srgbClr val="CCCCCC"/>
+                </a:solidFill>
+                <a:effectLst/>
+                <a:latin typeface="Consolas" panose="020B0609020204030204" pitchFamily="49" charset="0"/>
+              </a:rPr>
+              <a:t> </a:t>
+            </a:r>
+            <a:r>
+              <a:rPr lang="en-US" altLang="ko-KR" sz="1000" b="0" dirty="0" err="1">
+                <a:solidFill>
+                  <a:srgbClr val="DCDCAA"/>
+                </a:solidFill>
+                <a:effectLst/>
+                <a:latin typeface="Consolas" panose="020B0609020204030204" pitchFamily="49" charset="0"/>
+              </a:rPr>
+              <a:t>ADCC_GetCurrentCountofConversions</a:t>
+            </a:r>
+            <a:r>
+              <a:rPr lang="en-US" altLang="ko-KR" sz="1000" b="0" dirty="0">
+                <a:solidFill>
+                  <a:srgbClr val="CCCCCC"/>
+                </a:solidFill>
+                <a:effectLst/>
+                <a:latin typeface="Consolas" panose="020B0609020204030204" pitchFamily="49" charset="0"/>
+              </a:rPr>
+              <a:t>();</a:t>
+            </a:r>
+          </a:p>
+          <a:p>
+            <a:pPr>
+              <a:lnSpc>
+                <a:spcPts val="1425"/>
+              </a:lnSpc>
+              <a:buNone/>
+            </a:pPr>
+            <a:r>
+              <a:rPr lang="en-US" altLang="ko-KR" sz="1000" b="0" dirty="0">
+                <a:solidFill>
+                  <a:srgbClr val="CCCCCC"/>
+                </a:solidFill>
+                <a:effectLst/>
+                <a:latin typeface="Consolas" panose="020B0609020204030204" pitchFamily="49" charset="0"/>
+              </a:rPr>
+              <a:t>        </a:t>
+            </a:r>
+            <a:r>
+              <a:rPr lang="en-US" altLang="ko-KR" sz="1000" b="0" dirty="0" err="1">
+                <a:solidFill>
+                  <a:srgbClr val="9CDCFE"/>
+                </a:solidFill>
+                <a:effectLst/>
+                <a:latin typeface="Consolas" panose="020B0609020204030204" pitchFamily="49" charset="0"/>
+              </a:rPr>
+              <a:t>adc</a:t>
+            </a:r>
+            <a:r>
+              <a:rPr lang="en-US" altLang="ko-KR" sz="1000" b="0" dirty="0">
+                <a:solidFill>
+                  <a:srgbClr val="CCCCCC"/>
+                </a:solidFill>
+                <a:effectLst/>
+                <a:latin typeface="Consolas" panose="020B0609020204030204" pitchFamily="49" charset="0"/>
+              </a:rPr>
+              <a:t>[</a:t>
+            </a:r>
+            <a:r>
+              <a:rPr lang="en-US" altLang="ko-KR" sz="1000" b="0" dirty="0">
+                <a:solidFill>
+                  <a:srgbClr val="B5CEA8"/>
+                </a:solidFill>
+                <a:effectLst/>
+                <a:latin typeface="Consolas" panose="020B0609020204030204" pitchFamily="49" charset="0"/>
+              </a:rPr>
+              <a:t>0</a:t>
+            </a:r>
+            <a:r>
+              <a:rPr lang="en-US" altLang="ko-KR" sz="1000" b="0" dirty="0">
+                <a:solidFill>
+                  <a:srgbClr val="CCCCCC"/>
+                </a:solidFill>
+                <a:effectLst/>
+                <a:latin typeface="Consolas" panose="020B0609020204030204" pitchFamily="49" charset="0"/>
+              </a:rPr>
+              <a:t>]</a:t>
+            </a:r>
+            <a:r>
+              <a:rPr lang="en-US" altLang="ko-KR" sz="1000" b="0" dirty="0">
+                <a:solidFill>
+                  <a:srgbClr val="D4D4D4"/>
+                </a:solidFill>
+                <a:effectLst/>
+                <a:latin typeface="Consolas" panose="020B0609020204030204" pitchFamily="49" charset="0"/>
+              </a:rPr>
+              <a:t>=</a:t>
+            </a:r>
+            <a:r>
+              <a:rPr lang="en-US" altLang="ko-KR" sz="1000" b="0" dirty="0">
+                <a:solidFill>
+                  <a:srgbClr val="CCCCCC"/>
+                </a:solidFill>
+                <a:effectLst/>
+                <a:latin typeface="Consolas" panose="020B0609020204030204" pitchFamily="49" charset="0"/>
+              </a:rPr>
+              <a:t> </a:t>
+            </a:r>
+            <a:r>
+              <a:rPr lang="en-US" altLang="ko-KR" sz="1000" b="0" dirty="0" err="1">
+                <a:solidFill>
+                  <a:srgbClr val="DCDCAA"/>
+                </a:solidFill>
+                <a:effectLst/>
+                <a:latin typeface="Consolas" panose="020B0609020204030204" pitchFamily="49" charset="0"/>
+              </a:rPr>
+              <a:t>ADCC_GetConversionResult</a:t>
+            </a:r>
+            <a:r>
+              <a:rPr lang="en-US" altLang="ko-KR" sz="1000" b="0" dirty="0">
+                <a:solidFill>
+                  <a:srgbClr val="CCCCCC"/>
+                </a:solidFill>
+                <a:effectLst/>
+                <a:latin typeface="Consolas" panose="020B0609020204030204" pitchFamily="49" charset="0"/>
+              </a:rPr>
+              <a:t>();</a:t>
+            </a:r>
+          </a:p>
+          <a:p>
+            <a:pPr>
+              <a:lnSpc>
+                <a:spcPts val="1425"/>
+              </a:lnSpc>
+              <a:buNone/>
+            </a:pPr>
+            <a:r>
+              <a:rPr lang="en-US" altLang="ko-KR" sz="1000" b="0" dirty="0">
+                <a:solidFill>
+                  <a:srgbClr val="CCCCCC"/>
+                </a:solidFill>
+                <a:effectLst/>
+                <a:latin typeface="Consolas" panose="020B0609020204030204" pitchFamily="49" charset="0"/>
+              </a:rPr>
+              <a:t>        </a:t>
+            </a:r>
+            <a:r>
+              <a:rPr lang="en-US" altLang="ko-KR" sz="1000" b="0" dirty="0" err="1">
+                <a:solidFill>
+                  <a:srgbClr val="DCDCAA"/>
+                </a:solidFill>
+                <a:effectLst/>
+                <a:latin typeface="Consolas" panose="020B0609020204030204" pitchFamily="49" charset="0"/>
+              </a:rPr>
+              <a:t>dbg_printf</a:t>
+            </a:r>
+            <a:r>
+              <a:rPr lang="en-US" altLang="ko-KR" sz="1000" b="0" dirty="0">
+                <a:solidFill>
+                  <a:srgbClr val="CCCCCC"/>
+                </a:solidFill>
+                <a:effectLst/>
+                <a:latin typeface="Consolas" panose="020B0609020204030204" pitchFamily="49" charset="0"/>
+              </a:rPr>
+              <a:t>(</a:t>
+            </a:r>
+            <a:r>
+              <a:rPr lang="en-US" altLang="ko-KR" sz="1000" b="0" dirty="0">
+                <a:solidFill>
+                  <a:srgbClr val="CE9178"/>
+                </a:solidFill>
+                <a:effectLst/>
+                <a:latin typeface="Consolas" panose="020B0609020204030204" pitchFamily="49" charset="0"/>
+              </a:rPr>
+              <a:t>"ADC: </a:t>
+            </a:r>
+            <a:r>
+              <a:rPr lang="en-US" altLang="ko-KR" sz="1000" b="0" dirty="0">
+                <a:solidFill>
+                  <a:srgbClr val="9CDCFE"/>
+                </a:solidFill>
+                <a:effectLst/>
+                <a:latin typeface="Consolas" panose="020B0609020204030204" pitchFamily="49" charset="0"/>
+              </a:rPr>
+              <a:t>%</a:t>
+            </a:r>
+            <a:r>
+              <a:rPr lang="en-US" altLang="ko-KR" sz="1000" b="0" dirty="0" err="1">
+                <a:solidFill>
+                  <a:srgbClr val="9CDCFE"/>
+                </a:solidFill>
+                <a:effectLst/>
+                <a:latin typeface="Consolas" panose="020B0609020204030204" pitchFamily="49" charset="0"/>
+              </a:rPr>
+              <a:t>d</a:t>
+            </a:r>
+            <a:r>
+              <a:rPr lang="en-US" altLang="ko-KR" sz="1000" b="0" dirty="0" err="1">
+                <a:solidFill>
+                  <a:srgbClr val="CE9178"/>
+                </a:solidFill>
+                <a:effectLst/>
+                <a:latin typeface="Consolas" panose="020B0609020204030204" pitchFamily="49" charset="0"/>
+              </a:rPr>
+              <a:t>,</a:t>
+            </a:r>
+            <a:r>
+              <a:rPr lang="en-US" altLang="ko-KR" sz="1000" b="0" dirty="0" err="1">
+                <a:solidFill>
+                  <a:srgbClr val="9CDCFE"/>
+                </a:solidFill>
+                <a:effectLst/>
+                <a:latin typeface="Consolas" panose="020B0609020204030204" pitchFamily="49" charset="0"/>
+              </a:rPr>
+              <a:t>%d</a:t>
+            </a:r>
+            <a:r>
+              <a:rPr lang="en-US" altLang="ko-KR" sz="1000" b="0" dirty="0" err="1">
+                <a:solidFill>
+                  <a:srgbClr val="CE9178"/>
+                </a:solidFill>
+                <a:effectLst/>
+                <a:latin typeface="Consolas" panose="020B0609020204030204" pitchFamily="49" charset="0"/>
+              </a:rPr>
+              <a:t>,</a:t>
+            </a:r>
+            <a:r>
+              <a:rPr lang="en-US" altLang="ko-KR" sz="1000" b="0" dirty="0" err="1">
+                <a:solidFill>
+                  <a:srgbClr val="9CDCFE"/>
+                </a:solidFill>
+                <a:effectLst/>
+                <a:latin typeface="Consolas" panose="020B0609020204030204" pitchFamily="49" charset="0"/>
+              </a:rPr>
+              <a:t>%d</a:t>
+            </a:r>
+            <a:r>
+              <a:rPr lang="en-US" altLang="ko-KR" sz="1000" b="0" dirty="0">
+                <a:solidFill>
+                  <a:srgbClr val="D7BA7D"/>
+                </a:solidFill>
+                <a:effectLst/>
+                <a:latin typeface="Consolas" panose="020B0609020204030204" pitchFamily="49" charset="0"/>
+              </a:rPr>
+              <a:t>\n</a:t>
+            </a:r>
+            <a:r>
+              <a:rPr lang="en-US" altLang="ko-KR" sz="1000" b="0" dirty="0">
+                <a:solidFill>
+                  <a:srgbClr val="CE9178"/>
+                </a:solidFill>
+                <a:effectLst/>
+                <a:latin typeface="Consolas" panose="020B0609020204030204" pitchFamily="49" charset="0"/>
+              </a:rPr>
+              <a:t>"</a:t>
+            </a:r>
+            <a:r>
+              <a:rPr lang="en-US" altLang="ko-KR" sz="1000" b="0" dirty="0">
+                <a:solidFill>
+                  <a:srgbClr val="CCCCCC"/>
+                </a:solidFill>
+                <a:effectLst/>
+                <a:latin typeface="Consolas" panose="020B0609020204030204" pitchFamily="49" charset="0"/>
+              </a:rPr>
+              <a:t>, </a:t>
+            </a:r>
+            <a:r>
+              <a:rPr lang="en-US" altLang="ko-KR" sz="1000" b="0" dirty="0" err="1">
+                <a:solidFill>
+                  <a:srgbClr val="9CDCFE"/>
+                </a:solidFill>
+                <a:effectLst/>
+                <a:latin typeface="Consolas" panose="020B0609020204030204" pitchFamily="49" charset="0"/>
+              </a:rPr>
+              <a:t>adc</a:t>
+            </a:r>
+            <a:r>
+              <a:rPr lang="en-US" altLang="ko-KR" sz="1000" b="0" dirty="0">
+                <a:solidFill>
+                  <a:srgbClr val="CCCCCC"/>
+                </a:solidFill>
+                <a:effectLst/>
+                <a:latin typeface="Consolas" panose="020B0609020204030204" pitchFamily="49" charset="0"/>
+              </a:rPr>
+              <a:t>[</a:t>
+            </a:r>
+            <a:r>
+              <a:rPr lang="en-US" altLang="ko-KR" sz="1000" b="0" dirty="0">
+                <a:solidFill>
+                  <a:srgbClr val="B5CEA8"/>
+                </a:solidFill>
+                <a:effectLst/>
+                <a:latin typeface="Consolas" panose="020B0609020204030204" pitchFamily="49" charset="0"/>
+              </a:rPr>
+              <a:t>0</a:t>
+            </a:r>
+            <a:r>
+              <a:rPr lang="en-US" altLang="ko-KR" sz="1000" b="0" dirty="0">
+                <a:solidFill>
+                  <a:srgbClr val="CCCCCC"/>
+                </a:solidFill>
+                <a:effectLst/>
+                <a:latin typeface="Consolas" panose="020B0609020204030204" pitchFamily="49" charset="0"/>
+              </a:rPr>
+              <a:t>], </a:t>
+            </a:r>
+            <a:r>
+              <a:rPr lang="en-US" altLang="ko-KR" sz="1000" b="0" dirty="0" err="1">
+                <a:solidFill>
+                  <a:srgbClr val="9CDCFE"/>
+                </a:solidFill>
+                <a:effectLst/>
+                <a:latin typeface="Consolas" panose="020B0609020204030204" pitchFamily="49" charset="0"/>
+              </a:rPr>
+              <a:t>avg_val</a:t>
+            </a:r>
+            <a:r>
+              <a:rPr lang="en-US" altLang="ko-KR" sz="1000" b="0" dirty="0">
+                <a:solidFill>
+                  <a:srgbClr val="CCCCCC"/>
+                </a:solidFill>
+                <a:effectLst/>
+                <a:latin typeface="Consolas" panose="020B0609020204030204" pitchFamily="49" charset="0"/>
+              </a:rPr>
+              <a:t>, </a:t>
+            </a:r>
+            <a:r>
+              <a:rPr lang="en-US" altLang="ko-KR" sz="1000" b="0" dirty="0" err="1">
+                <a:solidFill>
+                  <a:srgbClr val="9CDCFE"/>
+                </a:solidFill>
+                <a:effectLst/>
+                <a:latin typeface="Consolas" panose="020B0609020204030204" pitchFamily="49" charset="0"/>
+              </a:rPr>
+              <a:t>cntConversion</a:t>
+            </a:r>
+            <a:r>
+              <a:rPr lang="en-US" altLang="ko-KR" sz="1000" b="0" dirty="0">
+                <a:solidFill>
+                  <a:srgbClr val="CCCCCC"/>
+                </a:solidFill>
+                <a:effectLst/>
+                <a:latin typeface="Consolas" panose="020B0609020204030204" pitchFamily="49" charset="0"/>
+              </a:rPr>
+              <a:t>);</a:t>
+            </a:r>
+          </a:p>
+          <a:p>
+            <a:pPr>
+              <a:lnSpc>
+                <a:spcPts val="1425"/>
+              </a:lnSpc>
+              <a:buNone/>
+            </a:pPr>
+            <a:r>
+              <a:rPr lang="en-US" altLang="ko-KR" sz="1000" b="0" dirty="0">
+                <a:solidFill>
+                  <a:srgbClr val="CCCCCC"/>
+                </a:solidFill>
+                <a:effectLst/>
+                <a:latin typeface="Consolas" panose="020B0609020204030204" pitchFamily="49" charset="0"/>
+              </a:rPr>
+              <a:t>        </a:t>
+            </a:r>
+            <a:r>
+              <a:rPr lang="en-US" altLang="ko-KR" sz="1000" b="0" dirty="0" err="1">
+                <a:solidFill>
+                  <a:srgbClr val="DCDCAA"/>
+                </a:solidFill>
+                <a:effectLst/>
+                <a:latin typeface="Consolas" panose="020B0609020204030204" pitchFamily="49" charset="0"/>
+              </a:rPr>
+              <a:t>delay_ms</a:t>
+            </a:r>
+            <a:r>
+              <a:rPr lang="en-US" altLang="ko-KR" sz="1000" b="0" dirty="0">
+                <a:solidFill>
+                  <a:srgbClr val="CCCCCC"/>
+                </a:solidFill>
+                <a:effectLst/>
+                <a:latin typeface="Consolas" panose="020B0609020204030204" pitchFamily="49" charset="0"/>
+              </a:rPr>
+              <a:t>(</a:t>
+            </a:r>
+            <a:r>
+              <a:rPr lang="en-US" altLang="ko-KR" sz="1000" b="0" dirty="0">
+                <a:solidFill>
+                  <a:srgbClr val="B5CEA8"/>
+                </a:solidFill>
+                <a:effectLst/>
+                <a:latin typeface="Consolas" panose="020B0609020204030204" pitchFamily="49" charset="0"/>
+              </a:rPr>
+              <a:t>1000</a:t>
+            </a:r>
+            <a:r>
+              <a:rPr lang="en-US" altLang="ko-KR" sz="1000" b="0" dirty="0">
+                <a:solidFill>
+                  <a:srgbClr val="CCCCCC"/>
+                </a:solidFill>
+                <a:effectLst/>
+                <a:latin typeface="Consolas" panose="020B0609020204030204" pitchFamily="49" charset="0"/>
+              </a:rPr>
+              <a:t>);</a:t>
+            </a:r>
+          </a:p>
+          <a:p>
+            <a:pPr>
+              <a:lnSpc>
+                <a:spcPts val="1425"/>
+              </a:lnSpc>
+              <a:buNone/>
+            </a:pPr>
+            <a:r>
+              <a:rPr lang="en-US" altLang="ko-KR" sz="1000" b="0" dirty="0">
+                <a:solidFill>
+                  <a:srgbClr val="CCCCCC"/>
+                </a:solidFill>
+                <a:effectLst/>
+                <a:latin typeface="Consolas" panose="020B0609020204030204" pitchFamily="49" charset="0"/>
+              </a:rPr>
+              <a:t>    }</a:t>
+            </a:r>
+          </a:p>
+          <a:p>
+            <a:pPr>
+              <a:lnSpc>
+                <a:spcPts val="1425"/>
+              </a:lnSpc>
+              <a:buNone/>
+            </a:pPr>
+            <a:r>
+              <a:rPr lang="en-US" altLang="ko-KR" sz="1000" b="0" dirty="0">
+                <a:solidFill>
+                  <a:srgbClr val="CCCCCC"/>
+                </a:solidFill>
+                <a:effectLst/>
+                <a:latin typeface="Consolas" panose="020B0609020204030204" pitchFamily="49" charset="0"/>
+              </a:rPr>
+              <a:t>}</a:t>
+            </a:r>
+          </a:p>
+        </p:txBody>
+      </p:sp>
+      <p:sp>
+        <p:nvSpPr>
+          <p:cNvPr id="12" name="TextBox 11">
+            <a:extLst>
+              <a:ext uri="{FF2B5EF4-FFF2-40B4-BE49-F238E27FC236}">
+                <a16:creationId xmlns:a16="http://schemas.microsoft.com/office/drawing/2014/main" id="{F7B885C8-4A1F-6CE0-E91C-66A207A45E03}"/>
+              </a:ext>
+            </a:extLst>
+          </p:cNvPr>
+          <p:cNvSpPr txBox="1"/>
+          <p:nvPr/>
+        </p:nvSpPr>
+        <p:spPr>
+          <a:xfrm>
+            <a:off x="6209210" y="5237454"/>
+            <a:ext cx="5643155" cy="553998"/>
+          </a:xfrm>
+          <a:prstGeom prst="rect">
+            <a:avLst/>
+          </a:prstGeom>
+          <a:noFill/>
+        </p:spPr>
+        <p:txBody>
+          <a:bodyPr wrap="square" rtlCol="0">
+            <a:spAutoFit/>
+          </a:bodyPr>
+          <a:lstStyle/>
+          <a:p>
+            <a:r>
+              <a:rPr lang="en-US" altLang="ko-KR" sz="1000" dirty="0">
+                <a:solidFill>
+                  <a:srgbClr val="FF0000"/>
+                </a:solidFill>
+              </a:rPr>
+              <a:t>* MCC</a:t>
+            </a:r>
+            <a:r>
+              <a:rPr lang="ko-KR" altLang="en-US" sz="1000" dirty="0">
+                <a:solidFill>
+                  <a:srgbClr val="FF0000"/>
+                </a:solidFill>
+              </a:rPr>
+              <a:t>에서</a:t>
+            </a:r>
+            <a:r>
+              <a:rPr lang="en-US" altLang="ko-KR" sz="1000" dirty="0">
+                <a:solidFill>
+                  <a:srgbClr val="FF0000"/>
+                </a:solidFill>
+              </a:rPr>
+              <a:t> RPT=8, CRS=3, Timer=100ms</a:t>
+            </a:r>
+            <a:r>
+              <a:rPr lang="ko-KR" altLang="en-US" sz="1000" dirty="0">
+                <a:solidFill>
+                  <a:srgbClr val="FF0000"/>
+                </a:solidFill>
+              </a:rPr>
+              <a:t>로 설정하면</a:t>
+            </a:r>
+            <a:endParaRPr lang="en-US" altLang="ko-KR" sz="1000" dirty="0">
+              <a:solidFill>
+                <a:srgbClr val="FF0000"/>
+              </a:solidFill>
+            </a:endParaRPr>
+          </a:p>
+          <a:p>
+            <a:endParaRPr lang="en-US" altLang="ko-KR" sz="1000" dirty="0">
+              <a:solidFill>
+                <a:srgbClr val="FF0000"/>
+              </a:solidFill>
+            </a:endParaRPr>
+          </a:p>
+          <a:p>
+            <a:r>
+              <a:rPr lang="ko-KR" altLang="en-US" sz="1000" dirty="0">
+                <a:solidFill>
+                  <a:srgbClr val="FF0000"/>
+                </a:solidFill>
+              </a:rPr>
+              <a:t>원하는 시점에서 </a:t>
+            </a:r>
+            <a:r>
+              <a:rPr lang="en-US" altLang="ko-KR" sz="1000" dirty="0">
+                <a:solidFill>
+                  <a:srgbClr val="FF0000"/>
+                </a:solidFill>
+              </a:rPr>
+              <a:t>100ms</a:t>
+            </a:r>
+            <a:r>
+              <a:rPr lang="ko-KR" altLang="en-US" sz="1000" dirty="0">
+                <a:solidFill>
+                  <a:srgbClr val="FF0000"/>
+                </a:solidFill>
+              </a:rPr>
+              <a:t>간격 </a:t>
+            </a:r>
+            <a:r>
+              <a:rPr lang="en-US" altLang="ko-KR" sz="1000" dirty="0">
+                <a:solidFill>
+                  <a:srgbClr val="FF0000"/>
+                </a:solidFill>
+              </a:rPr>
+              <a:t>8</a:t>
+            </a:r>
+            <a:r>
+              <a:rPr lang="ko-KR" altLang="en-US" sz="1000" dirty="0">
+                <a:solidFill>
+                  <a:srgbClr val="FF0000"/>
+                </a:solidFill>
+              </a:rPr>
+              <a:t>번 평균값을 </a:t>
+            </a:r>
+            <a:r>
+              <a:rPr lang="ko-KR" altLang="en-US" sz="1000" dirty="0" err="1">
+                <a:solidFill>
+                  <a:srgbClr val="FF0000"/>
+                </a:solidFill>
+              </a:rPr>
+              <a:t>사용할수</a:t>
+            </a:r>
+            <a:r>
+              <a:rPr lang="ko-KR" altLang="en-US" sz="1000" dirty="0">
+                <a:solidFill>
+                  <a:srgbClr val="FF0000"/>
+                </a:solidFill>
+              </a:rPr>
+              <a:t> 있다</a:t>
+            </a:r>
+            <a:r>
+              <a:rPr lang="en-US" altLang="ko-KR" sz="1000" dirty="0">
+                <a:solidFill>
+                  <a:srgbClr val="FF0000"/>
+                </a:solidFill>
+              </a:rPr>
+              <a:t>.</a:t>
+            </a:r>
+            <a:endParaRPr lang="ko-KR" altLang="en-US" sz="1000" dirty="0">
+              <a:solidFill>
+                <a:srgbClr val="FF0000"/>
+              </a:solidFill>
+            </a:endParaRPr>
+          </a:p>
+        </p:txBody>
+      </p:sp>
+      <p:sp>
+        <p:nvSpPr>
+          <p:cNvPr id="16" name="TextBox 15">
+            <a:extLst>
+              <a:ext uri="{FF2B5EF4-FFF2-40B4-BE49-F238E27FC236}">
+                <a16:creationId xmlns:a16="http://schemas.microsoft.com/office/drawing/2014/main" id="{2ACC924F-7B9E-42AB-4DE7-1634CDC1FBC0}"/>
+              </a:ext>
+            </a:extLst>
+          </p:cNvPr>
+          <p:cNvSpPr txBox="1"/>
+          <p:nvPr/>
+        </p:nvSpPr>
+        <p:spPr>
+          <a:xfrm>
+            <a:off x="6740434" y="1158960"/>
+            <a:ext cx="3326674" cy="3621119"/>
+          </a:xfrm>
+          <a:prstGeom prst="rect">
+            <a:avLst/>
+          </a:prstGeom>
+        </p:spPr>
+        <p:style>
+          <a:lnRef idx="2">
+            <a:schemeClr val="dk1"/>
+          </a:lnRef>
+          <a:fillRef idx="1">
+            <a:schemeClr val="lt1"/>
+          </a:fillRef>
+          <a:effectRef idx="0">
+            <a:schemeClr val="dk1"/>
+          </a:effectRef>
+          <a:fontRef idx="minor">
+            <a:schemeClr val="dk1"/>
+          </a:fontRef>
+        </p:style>
+        <p:txBody>
+          <a:bodyPr wrap="square">
+            <a:spAutoFit/>
+          </a:bodyPr>
+          <a:lstStyle/>
+          <a:p>
+            <a:pPr>
+              <a:lnSpc>
+                <a:spcPct val="150000"/>
+              </a:lnSpc>
+            </a:pPr>
+            <a:r>
+              <a:rPr lang="ko-KR" altLang="en-US" sz="1100" dirty="0">
+                <a:latin typeface="D2Coding" panose="020B0609020101020101" pitchFamily="49" charset="-127"/>
+                <a:ea typeface="D2Coding" panose="020B0609020101020101" pitchFamily="49" charset="-127"/>
+              </a:rPr>
+              <a:t>14:35:07.385&gt; ADC: 2982,2983,8</a:t>
+            </a:r>
+          </a:p>
+          <a:p>
+            <a:pPr>
+              <a:lnSpc>
+                <a:spcPct val="150000"/>
+              </a:lnSpc>
+            </a:pPr>
+            <a:r>
+              <a:rPr lang="ko-KR" altLang="en-US" sz="1100" dirty="0">
+                <a:latin typeface="D2Coding" panose="020B0609020101020101" pitchFamily="49" charset="-127"/>
+                <a:ea typeface="D2Coding" panose="020B0609020101020101" pitchFamily="49" charset="-127"/>
+              </a:rPr>
+              <a:t>14:35:08.460&gt; ADC: 2982,2980,2</a:t>
+            </a:r>
+          </a:p>
+          <a:p>
+            <a:pPr>
+              <a:lnSpc>
+                <a:spcPct val="150000"/>
+              </a:lnSpc>
+            </a:pPr>
+            <a:r>
+              <a:rPr lang="ko-KR" altLang="en-US" sz="1100" dirty="0">
+                <a:latin typeface="D2Coding" panose="020B0609020101020101" pitchFamily="49" charset="-127"/>
+                <a:ea typeface="D2Coding" panose="020B0609020101020101" pitchFamily="49" charset="-127"/>
+              </a:rPr>
+              <a:t>14:35:09.520&gt; ADC: 2984,2981,4</a:t>
+            </a:r>
+          </a:p>
+          <a:p>
+            <a:pPr>
+              <a:lnSpc>
+                <a:spcPct val="150000"/>
+              </a:lnSpc>
+            </a:pPr>
+            <a:r>
+              <a:rPr lang="ko-KR" altLang="en-US" sz="1100" dirty="0">
+                <a:latin typeface="D2Coding" panose="020B0609020101020101" pitchFamily="49" charset="-127"/>
+                <a:ea typeface="D2Coding" panose="020B0609020101020101" pitchFamily="49" charset="-127"/>
+              </a:rPr>
+              <a:t>14:35:10.530&gt; ADC: 2985,2980,7</a:t>
+            </a:r>
+          </a:p>
+          <a:p>
+            <a:pPr>
+              <a:lnSpc>
+                <a:spcPct val="150000"/>
+              </a:lnSpc>
+            </a:pPr>
+            <a:r>
+              <a:rPr lang="ko-KR" altLang="en-US" sz="1100" dirty="0">
+                <a:latin typeface="D2Coding" panose="020B0609020101020101" pitchFamily="49" charset="-127"/>
+                <a:ea typeface="D2Coding" panose="020B0609020101020101" pitchFamily="49" charset="-127"/>
+              </a:rPr>
+              <a:t>14:35:11.572&gt; ADC: 2981,2982,1</a:t>
+            </a:r>
+          </a:p>
+          <a:p>
+            <a:pPr>
+              <a:lnSpc>
+                <a:spcPct val="150000"/>
+              </a:lnSpc>
+            </a:pPr>
+            <a:r>
+              <a:rPr lang="ko-KR" altLang="en-US" sz="1100" dirty="0">
+                <a:latin typeface="D2Coding" panose="020B0609020101020101" pitchFamily="49" charset="-127"/>
+                <a:ea typeface="D2Coding" panose="020B0609020101020101" pitchFamily="49" charset="-127"/>
+              </a:rPr>
+              <a:t>14:35:12.647&gt; ADC: 2984,2982,4</a:t>
+            </a:r>
+          </a:p>
+          <a:p>
+            <a:pPr>
+              <a:lnSpc>
+                <a:spcPct val="150000"/>
+              </a:lnSpc>
+            </a:pPr>
+            <a:r>
+              <a:rPr lang="ko-KR" altLang="en-US" sz="1100" dirty="0">
+                <a:latin typeface="D2Coding" panose="020B0609020101020101" pitchFamily="49" charset="-127"/>
+                <a:ea typeface="D2Coding" panose="020B0609020101020101" pitchFamily="49" charset="-127"/>
+              </a:rPr>
+              <a:t>14:35:13.638&gt; ADC: 2975,2983,6</a:t>
+            </a:r>
+          </a:p>
+          <a:p>
+            <a:pPr>
+              <a:lnSpc>
+                <a:spcPct val="150000"/>
+              </a:lnSpc>
+            </a:pPr>
+            <a:r>
+              <a:rPr lang="ko-KR" altLang="en-US" sz="1100" dirty="0">
+                <a:latin typeface="D2Coding" panose="020B0609020101020101" pitchFamily="49" charset="-127"/>
+                <a:ea typeface="D2Coding" panose="020B0609020101020101" pitchFamily="49" charset="-127"/>
+              </a:rPr>
+              <a:t>14:35:14.710&gt; ADC: 2984,2983,8</a:t>
+            </a:r>
+          </a:p>
+          <a:p>
+            <a:pPr>
+              <a:lnSpc>
+                <a:spcPct val="150000"/>
+              </a:lnSpc>
+            </a:pPr>
+            <a:r>
+              <a:rPr lang="ko-KR" altLang="en-US" sz="1100" dirty="0">
+                <a:latin typeface="D2Coding" panose="020B0609020101020101" pitchFamily="49" charset="-127"/>
+                <a:ea typeface="D2Coding" panose="020B0609020101020101" pitchFamily="49" charset="-127"/>
+              </a:rPr>
+              <a:t>14:35:15.709&gt; ADC: 2984,2981,3</a:t>
+            </a:r>
+          </a:p>
+          <a:p>
+            <a:pPr>
+              <a:lnSpc>
+                <a:spcPct val="150000"/>
+              </a:lnSpc>
+            </a:pPr>
+            <a:r>
+              <a:rPr lang="ko-KR" altLang="en-US" sz="1100" dirty="0">
+                <a:latin typeface="D2Coding" panose="020B0609020101020101" pitchFamily="49" charset="-127"/>
+                <a:ea typeface="D2Coding" panose="020B0609020101020101" pitchFamily="49" charset="-127"/>
+              </a:rPr>
+              <a:t>14:35:16.768&gt; ADC: 2985,2984,5</a:t>
+            </a:r>
+          </a:p>
+          <a:p>
+            <a:pPr>
+              <a:lnSpc>
+                <a:spcPct val="150000"/>
+              </a:lnSpc>
+            </a:pPr>
+            <a:r>
+              <a:rPr lang="ko-KR" altLang="en-US" sz="1100" dirty="0">
+                <a:latin typeface="D2Coding" panose="020B0609020101020101" pitchFamily="49" charset="-127"/>
+                <a:ea typeface="D2Coding" panose="020B0609020101020101" pitchFamily="49" charset="-127"/>
+              </a:rPr>
+              <a:t>14:35:17.830&gt; ADC: 2984,2984,7</a:t>
+            </a:r>
+          </a:p>
+          <a:p>
+            <a:pPr>
+              <a:lnSpc>
+                <a:spcPct val="150000"/>
+              </a:lnSpc>
+            </a:pPr>
+            <a:r>
+              <a:rPr lang="ko-KR" altLang="en-US" sz="1100" dirty="0">
+                <a:latin typeface="D2Coding" panose="020B0609020101020101" pitchFamily="49" charset="-127"/>
+                <a:ea typeface="D2Coding" panose="020B0609020101020101" pitchFamily="49" charset="-127"/>
+              </a:rPr>
+              <a:t>14:35:18.828&gt; ADC: 2983,2983,2</a:t>
+            </a:r>
+          </a:p>
+          <a:p>
+            <a:pPr>
+              <a:lnSpc>
+                <a:spcPct val="150000"/>
+              </a:lnSpc>
+            </a:pPr>
+            <a:r>
+              <a:rPr lang="ko-KR" altLang="en-US" sz="1100" dirty="0">
+                <a:latin typeface="D2Coding" panose="020B0609020101020101" pitchFamily="49" charset="-127"/>
+                <a:ea typeface="D2Coding" panose="020B0609020101020101" pitchFamily="49" charset="-127"/>
+              </a:rPr>
+              <a:t>14:35:19.887&gt; ADC: 2984,2983,4</a:t>
+            </a:r>
+          </a:p>
+          <a:p>
+            <a:pPr>
+              <a:lnSpc>
+                <a:spcPct val="150000"/>
+              </a:lnSpc>
+            </a:pPr>
+            <a:r>
+              <a:rPr lang="ko-KR" altLang="en-US" sz="1100" dirty="0">
+                <a:latin typeface="D2Coding" panose="020B0609020101020101" pitchFamily="49" charset="-127"/>
+                <a:ea typeface="D2Coding" panose="020B0609020101020101" pitchFamily="49" charset="-127"/>
+              </a:rPr>
+              <a:t>14:35:20.902&gt; ADC: 2984,2982,7</a:t>
+            </a:r>
+          </a:p>
+        </p:txBody>
+      </p:sp>
+    </p:spTree>
+    <p:extLst>
+      <p:ext uri="{BB962C8B-B14F-4D97-AF65-F5344CB8AC3E}">
+        <p14:creationId xmlns:p14="http://schemas.microsoft.com/office/powerpoint/2010/main" val="4183072892"/>
       </p:ext>
     </p:extLst>
   </p:cSld>

--- a/PIC-ADC-Average-BurstAverageMode-Test.pptx
+++ b/PIC-ADC-Average-BurstAverageMode-Test.pptx
@@ -5,10 +5,10 @@
     <p:sldMasterId id="2147483660" r:id="rId1"/>
   </p:sldMasterIdLst>
   <p:notesMasterIdLst>
-    <p:notesMasterId r:id="rId13"/>
+    <p:notesMasterId r:id="rId14"/>
   </p:notesMasterIdLst>
   <p:handoutMasterIdLst>
-    <p:handoutMasterId r:id="rId14"/>
+    <p:handoutMasterId r:id="rId15"/>
   </p:handoutMasterIdLst>
   <p:sldIdLst>
     <p:sldId id="269" r:id="rId2"/>
@@ -21,7 +21,8 @@
     <p:sldId id="274" r:id="rId9"/>
     <p:sldId id="275" r:id="rId10"/>
     <p:sldId id="276" r:id="rId11"/>
-    <p:sldId id="277" r:id="rId12"/>
+    <p:sldId id="279" r:id="rId12"/>
+    <p:sldId id="277" r:id="rId13"/>
   </p:sldIdLst>
   <p:sldSz cx="12192000" cy="6858000"/>
   <p:notesSz cx="6858000" cy="9144000"/>
@@ -236,7 +237,7 @@
           <a:p>
             <a:fld id="{D0EBDA14-F0DF-4D60-9FD2-F050CD743FF6}" type="datetimeFigureOut">
               <a:rPr lang="ko-KR" altLang="en-US" smtClean="0"/>
-              <a:t>2025-12-17</a:t>
+              <a:t>2025-12-19</a:t>
             </a:fld>
             <a:endParaRPr lang="ko-KR" altLang="en-US"/>
           </a:p>
@@ -413,7 +414,7 @@
           <a:p>
             <a:fld id="{ABE0771A-8A98-4426-9223-571B9E566954}" type="datetimeFigureOut">
               <a:rPr lang="ko-KR" altLang="en-US" smtClean="0"/>
-              <a:t>2025-12-17</a:t>
+              <a:t>2025-12-19</a:t>
             </a:fld>
             <a:endParaRPr lang="ko-KR" altLang="en-US"/>
           </a:p>
@@ -1473,7 +1474,7 @@
           <a:p>
             <a:fld id="{48F0192D-4F2D-4D2A-947F-27C1FE90F9E9}" type="datetimeFigureOut">
               <a:rPr lang="ko-KR" altLang="en-US" smtClean="0"/>
-              <a:t>2025-12-17</a:t>
+              <a:t>2025-12-19</a:t>
             </a:fld>
             <a:endParaRPr lang="ko-KR" altLang="en-US"/>
           </a:p>
@@ -1653,7 +1654,7 @@
           <a:p>
             <a:fld id="{48F0192D-4F2D-4D2A-947F-27C1FE90F9E9}" type="datetimeFigureOut">
               <a:rPr lang="ko-KR" altLang="en-US" smtClean="0"/>
-              <a:t>2025-12-17</a:t>
+              <a:t>2025-12-19</a:t>
             </a:fld>
             <a:endParaRPr lang="ko-KR" altLang="en-US"/>
           </a:p>
@@ -1843,7 +1844,7 @@
           <a:p>
             <a:fld id="{48F0192D-4F2D-4D2A-947F-27C1FE90F9E9}" type="datetimeFigureOut">
               <a:rPr lang="ko-KR" altLang="en-US" smtClean="0"/>
-              <a:t>2025-12-17</a:t>
+              <a:t>2025-12-19</a:t>
             </a:fld>
             <a:endParaRPr lang="ko-KR" altLang="en-US"/>
           </a:p>
@@ -2057,7 +2058,7 @@
           <a:p>
             <a:fld id="{48F0192D-4F2D-4D2A-947F-27C1FE90F9E9}" type="datetimeFigureOut">
               <a:rPr lang="ko-KR" altLang="en-US" smtClean="0"/>
-              <a:t>2025-12-17</a:t>
+              <a:t>2025-12-19</a:t>
             </a:fld>
             <a:endParaRPr lang="ko-KR" altLang="en-US"/>
           </a:p>
@@ -2314,7 +2315,7 @@
           <a:p>
             <a:fld id="{48F0192D-4F2D-4D2A-947F-27C1FE90F9E9}" type="datetimeFigureOut">
               <a:rPr lang="ko-KR" altLang="en-US" smtClean="0"/>
-              <a:t>2025-12-17</a:t>
+              <a:t>2025-12-19</a:t>
             </a:fld>
             <a:endParaRPr lang="ko-KR" altLang="en-US"/>
           </a:p>
@@ -2611,7 +2612,7 @@
           <a:p>
             <a:fld id="{48F0192D-4F2D-4D2A-947F-27C1FE90F9E9}" type="datetimeFigureOut">
               <a:rPr lang="ko-KR" altLang="en-US" smtClean="0"/>
-              <a:t>2025-12-17</a:t>
+              <a:t>2025-12-19</a:t>
             </a:fld>
             <a:endParaRPr lang="ko-KR" altLang="en-US"/>
           </a:p>
@@ -3042,7 +3043,7 @@
           <a:p>
             <a:fld id="{48F0192D-4F2D-4D2A-947F-27C1FE90F9E9}" type="datetimeFigureOut">
               <a:rPr lang="ko-KR" altLang="en-US" smtClean="0"/>
-              <a:t>2025-12-17</a:t>
+              <a:t>2025-12-19</a:t>
             </a:fld>
             <a:endParaRPr lang="ko-KR" altLang="en-US"/>
           </a:p>
@@ -3171,7 +3172,7 @@
           <a:p>
             <a:fld id="{48F0192D-4F2D-4D2A-947F-27C1FE90F9E9}" type="datetimeFigureOut">
               <a:rPr lang="ko-KR" altLang="en-US" smtClean="0"/>
-              <a:t>2025-12-17</a:t>
+              <a:t>2025-12-19</a:t>
             </a:fld>
             <a:endParaRPr lang="ko-KR" altLang="en-US"/>
           </a:p>
@@ -3278,7 +3279,7 @@
           <a:p>
             <a:fld id="{48F0192D-4F2D-4D2A-947F-27C1FE90F9E9}" type="datetimeFigureOut">
               <a:rPr lang="ko-KR" altLang="en-US" smtClean="0"/>
-              <a:t>2025-12-17</a:t>
+              <a:t>2025-12-19</a:t>
             </a:fld>
             <a:endParaRPr lang="ko-KR" altLang="en-US"/>
           </a:p>
@@ -3565,7 +3566,7 @@
           <a:p>
             <a:fld id="{48F0192D-4F2D-4D2A-947F-27C1FE90F9E9}" type="datetimeFigureOut">
               <a:rPr lang="ko-KR" altLang="en-US" smtClean="0"/>
-              <a:t>2025-12-17</a:t>
+              <a:t>2025-12-19</a:t>
             </a:fld>
             <a:endParaRPr lang="ko-KR" altLang="en-US"/>
           </a:p>
@@ -3835,7 +3836,7 @@
           <a:p>
             <a:fld id="{48F0192D-4F2D-4D2A-947F-27C1FE90F9E9}" type="datetimeFigureOut">
               <a:rPr lang="ko-KR" altLang="en-US" smtClean="0"/>
-              <a:t>2025-12-17</a:t>
+              <a:t>2025-12-19</a:t>
             </a:fld>
             <a:endParaRPr lang="ko-KR" altLang="en-US"/>
           </a:p>
@@ -4113,7 +4114,7 @@
           <a:p>
             <a:fld id="{48F0192D-4F2D-4D2A-947F-27C1FE90F9E9}" type="datetimeFigureOut">
               <a:rPr lang="ko-KR" altLang="en-US" smtClean="0"/>
-              <a:t>2025-12-17</a:t>
+              <a:t>2025-12-19</a:t>
             </a:fld>
             <a:endParaRPr lang="ko-KR" altLang="en-US"/>
           </a:p>
@@ -8339,6 +8340,1644 @@
                 <a:ea typeface="D2Coding" panose="020B0609020101020101" pitchFamily="49" charset="-127"/>
               </a:rPr>
               <a:t>14:35:20.902&gt; ADC: 2984,2982,7</a:t>
+            </a:r>
+          </a:p>
+        </p:txBody>
+      </p:sp>
+    </p:spTree>
+    <p:extLst>
+      <p:ext uri="{BB962C8B-B14F-4D97-AF65-F5344CB8AC3E}">
+        <p14:creationId xmlns:p14="http://schemas.microsoft.com/office/powerpoint/2010/main" val="1871534286"/>
+      </p:ext>
+    </p:extLst>
+  </p:cSld>
+  <p:clrMapOvr>
+    <a:masterClrMapping/>
+  </p:clrMapOvr>
+</p:sld>
+</file>
+
+<file path=ppt/slides/slide12.xml><?xml version="1.0" encoding="utf-8"?>
+<p:sld xmlns:a="http://schemas.openxmlformats.org/drawingml/2006/main" xmlns:r="http://schemas.openxmlformats.org/officeDocument/2006/relationships" xmlns:p="http://schemas.openxmlformats.org/presentationml/2006/main">
+  <p:cSld>
+    <p:spTree>
+      <p:nvGrpSpPr>
+        <p:cNvPr id="1" name="">
+          <a:extLst>
+            <a:ext uri="{FF2B5EF4-FFF2-40B4-BE49-F238E27FC236}">
+              <a16:creationId xmlns:a16="http://schemas.microsoft.com/office/drawing/2014/main" id="{95E458C5-0511-639B-E920-7EC8CECDFE0B}"/>
+            </a:ext>
+          </a:extLst>
+        </p:cNvPr>
+        <p:cNvGrpSpPr/>
+        <p:nvPr/>
+      </p:nvGrpSpPr>
+      <p:grpSpPr>
+        <a:xfrm>
+          <a:off x="0" y="0"/>
+          <a:ext cx="0" cy="0"/>
+          <a:chOff x="0" y="0"/>
+          <a:chExt cx="0" cy="0"/>
+        </a:xfrm>
+      </p:grpSpPr>
+      <p:sp>
+        <p:nvSpPr>
+          <p:cNvPr id="2" name="제목 1">
+            <a:extLst>
+              <a:ext uri="{FF2B5EF4-FFF2-40B4-BE49-F238E27FC236}">
+                <a16:creationId xmlns:a16="http://schemas.microsoft.com/office/drawing/2014/main" id="{BF17DC7B-BE59-01A1-9E32-30ACB4D8BC20}"/>
+              </a:ext>
+            </a:extLst>
+          </p:cNvPr>
+          <p:cNvSpPr>
+            <a:spLocks noGrp="1"/>
+          </p:cNvSpPr>
+          <p:nvPr>
+            <p:ph type="title"/>
+          </p:nvPr>
+        </p:nvSpPr>
+        <p:spPr/>
+        <p:txBody>
+          <a:bodyPr/>
+          <a:lstStyle/>
+          <a:p>
+            <a:pPr algn="ctr"/>
+            <a:r>
+              <a:rPr lang="ko-KR" altLang="en-US" dirty="0"/>
+              <a:t>응용</a:t>
+            </a:r>
+            <a:r>
+              <a:rPr lang="en-US" altLang="ko-KR" dirty="0"/>
+              <a:t>: </a:t>
+            </a:r>
+            <a:r>
+              <a:rPr lang="en-US" altLang="ko-KR" dirty="0" err="1"/>
+              <a:t>BurstAvgMode</a:t>
+            </a:r>
+            <a:r>
+              <a:rPr lang="ko-KR" altLang="en-US" dirty="0"/>
+              <a:t>를 이용한 </a:t>
+            </a:r>
+            <a:r>
+              <a:rPr lang="en-US" altLang="ko-KR" dirty="0"/>
+              <a:t>100ms</a:t>
+            </a:r>
+            <a:r>
+              <a:rPr lang="ko-KR" altLang="en-US" dirty="0"/>
+              <a:t>간격 </a:t>
+            </a:r>
+            <a:r>
+              <a:rPr lang="en-US" altLang="ko-KR" dirty="0"/>
+              <a:t>8</a:t>
+            </a:r>
+            <a:r>
+              <a:rPr lang="ko-KR" altLang="en-US" dirty="0"/>
+              <a:t>번 수집하여 평균</a:t>
+            </a:r>
+            <a:endParaRPr lang="ko-KR" altLang="en-US" dirty="0">
+              <a:latin typeface="+mn-lt"/>
+            </a:endParaRPr>
+          </a:p>
+        </p:txBody>
+      </p:sp>
+      <p:sp>
+        <p:nvSpPr>
+          <p:cNvPr id="12" name="TextBox 11">
+            <a:extLst>
+              <a:ext uri="{FF2B5EF4-FFF2-40B4-BE49-F238E27FC236}">
+                <a16:creationId xmlns:a16="http://schemas.microsoft.com/office/drawing/2014/main" id="{F7B885C8-4A1F-6CE0-E91C-66A207A45E03}"/>
+              </a:ext>
+            </a:extLst>
+          </p:cNvPr>
+          <p:cNvSpPr txBox="1"/>
+          <p:nvPr/>
+        </p:nvSpPr>
+        <p:spPr>
+          <a:xfrm>
+            <a:off x="6702370" y="4107296"/>
+            <a:ext cx="5643155" cy="600164"/>
+          </a:xfrm>
+          <a:prstGeom prst="rect">
+            <a:avLst/>
+          </a:prstGeom>
+          <a:noFill/>
+        </p:spPr>
+        <p:txBody>
+          <a:bodyPr wrap="square" rtlCol="0">
+            <a:spAutoFit/>
+          </a:bodyPr>
+          <a:lstStyle/>
+          <a:p>
+            <a:r>
+              <a:rPr lang="en-US" altLang="ko-KR" sz="1100" dirty="0">
+                <a:solidFill>
+                  <a:srgbClr val="FF0000"/>
+                </a:solidFill>
+              </a:rPr>
+              <a:t>* </a:t>
+            </a:r>
+            <a:r>
+              <a:rPr lang="en-US" altLang="ko-KR" sz="1100" dirty="0" err="1">
+                <a:solidFill>
+                  <a:srgbClr val="FF0000"/>
+                </a:solidFill>
+                <a:latin typeface="Consolas" panose="020B0609020204030204" pitchFamily="49" charset="0"/>
+              </a:rPr>
+              <a:t>UTO_ADCC_GetAvgConversion</a:t>
+            </a:r>
+            <a:r>
+              <a:rPr lang="en-US" altLang="ko-KR" sz="1100" dirty="0">
+                <a:solidFill>
+                  <a:srgbClr val="FF0000"/>
+                </a:solidFill>
+                <a:latin typeface="Consolas" panose="020B0609020204030204" pitchFamily="49" charset="0"/>
+              </a:rPr>
+              <a:t>(channel_ANA0)</a:t>
+            </a:r>
+            <a:r>
+              <a:rPr lang="ko-KR" altLang="en-US" sz="1100" dirty="0">
+                <a:solidFill>
+                  <a:srgbClr val="FF0000"/>
+                </a:solidFill>
+                <a:latin typeface="Consolas" panose="020B0609020204030204" pitchFamily="49" charset="0"/>
+              </a:rPr>
+              <a:t>를 호출하면 </a:t>
+            </a:r>
+            <a:r>
+              <a:rPr lang="en-US" altLang="ko-KR" sz="1100" dirty="0">
+                <a:solidFill>
+                  <a:srgbClr val="FF0000"/>
+                </a:solidFill>
+                <a:latin typeface="Consolas" panose="020B0609020204030204" pitchFamily="49" charset="0"/>
+              </a:rPr>
+              <a:t>8</a:t>
+            </a:r>
+            <a:r>
+              <a:rPr lang="ko-KR" altLang="en-US" sz="1100" dirty="0">
+                <a:solidFill>
+                  <a:srgbClr val="FF0000"/>
+                </a:solidFill>
+                <a:latin typeface="Consolas" panose="020B0609020204030204" pitchFamily="49" charset="0"/>
+              </a:rPr>
+              <a:t>번 평균을</a:t>
+            </a:r>
+            <a:endParaRPr lang="en-US" altLang="ko-KR" sz="1100" dirty="0">
+              <a:solidFill>
+                <a:srgbClr val="FF0000"/>
+              </a:solidFill>
+              <a:latin typeface="Consolas" panose="020B0609020204030204" pitchFamily="49" charset="0"/>
+            </a:endParaRPr>
+          </a:p>
+          <a:p>
+            <a:r>
+              <a:rPr lang="en-US" altLang="ko-KR" sz="1100" dirty="0">
+                <a:solidFill>
+                  <a:srgbClr val="FF0000"/>
+                </a:solidFill>
+                <a:latin typeface="Consolas" panose="020B0609020204030204" pitchFamily="49" charset="0"/>
+              </a:rPr>
+              <a:t> </a:t>
+            </a:r>
+            <a:r>
+              <a:rPr lang="ko-KR" altLang="en-US" sz="1100" dirty="0">
+                <a:solidFill>
+                  <a:srgbClr val="FF0000"/>
+                </a:solidFill>
+                <a:latin typeface="Consolas" panose="020B0609020204030204" pitchFamily="49" charset="0"/>
+              </a:rPr>
+              <a:t>바로 </a:t>
+            </a:r>
+            <a:r>
+              <a:rPr lang="ko-KR" altLang="en-US" sz="1100" dirty="0" err="1">
+                <a:solidFill>
+                  <a:srgbClr val="FF0000"/>
+                </a:solidFill>
+                <a:latin typeface="Consolas" panose="020B0609020204030204" pitchFamily="49" charset="0"/>
+              </a:rPr>
+              <a:t>얻을수</a:t>
+            </a:r>
+            <a:r>
+              <a:rPr lang="ko-KR" altLang="en-US" sz="1100" dirty="0">
+                <a:solidFill>
+                  <a:srgbClr val="FF0000"/>
+                </a:solidFill>
+                <a:latin typeface="Consolas" panose="020B0609020204030204" pitchFamily="49" charset="0"/>
+              </a:rPr>
+              <a:t> 있다</a:t>
+            </a:r>
+            <a:r>
+              <a:rPr lang="en-US" altLang="ko-KR" sz="1100" dirty="0">
+                <a:solidFill>
+                  <a:srgbClr val="FF0000"/>
+                </a:solidFill>
+                <a:latin typeface="Consolas" panose="020B0609020204030204" pitchFamily="49" charset="0"/>
+              </a:rPr>
+              <a:t>.</a:t>
+            </a:r>
+          </a:p>
+          <a:p>
+            <a:endParaRPr lang="ko-KR" altLang="en-US" sz="1100" dirty="0">
+              <a:solidFill>
+                <a:srgbClr val="FF0000"/>
+              </a:solidFill>
+            </a:endParaRPr>
+          </a:p>
+        </p:txBody>
+      </p:sp>
+      <p:sp>
+        <p:nvSpPr>
+          <p:cNvPr id="3" name="TextBox 2">
+            <a:extLst>
+              <a:ext uri="{FF2B5EF4-FFF2-40B4-BE49-F238E27FC236}">
+                <a16:creationId xmlns:a16="http://schemas.microsoft.com/office/drawing/2014/main" id="{A1730FFD-3537-0DE4-A8DD-33189265CCA7}"/>
+              </a:ext>
+            </a:extLst>
+          </p:cNvPr>
+          <p:cNvSpPr txBox="1"/>
+          <p:nvPr/>
+        </p:nvSpPr>
+        <p:spPr>
+          <a:xfrm>
+            <a:off x="3466010" y="582249"/>
+            <a:ext cx="6849244" cy="307777"/>
+          </a:xfrm>
+          <a:prstGeom prst="rect">
+            <a:avLst/>
+          </a:prstGeom>
+          <a:noFill/>
+        </p:spPr>
+        <p:txBody>
+          <a:bodyPr wrap="square" rtlCol="0">
+            <a:spAutoFit/>
+          </a:bodyPr>
+          <a:lstStyle/>
+          <a:p>
+            <a:r>
+              <a:rPr lang="en-US" altLang="ko-KR" sz="1400" dirty="0">
+                <a:solidFill>
+                  <a:srgbClr val="FF0000"/>
+                </a:solidFill>
+              </a:rPr>
+              <a:t>* MCC</a:t>
+            </a:r>
+            <a:r>
+              <a:rPr lang="ko-KR" altLang="en-US" sz="1400" dirty="0">
+                <a:solidFill>
+                  <a:srgbClr val="FF0000"/>
+                </a:solidFill>
+              </a:rPr>
+              <a:t>에서</a:t>
+            </a:r>
+            <a:r>
+              <a:rPr lang="en-US" altLang="ko-KR" sz="1400" dirty="0">
+                <a:solidFill>
+                  <a:srgbClr val="FF0000"/>
+                </a:solidFill>
+              </a:rPr>
+              <a:t> RPT=8, CRS=3, No-</a:t>
+            </a:r>
+            <a:r>
+              <a:rPr lang="en-US" altLang="ko-KR" sz="1400" dirty="0" err="1">
+                <a:solidFill>
+                  <a:srgbClr val="FF0000"/>
+                </a:solidFill>
+              </a:rPr>
+              <a:t>ContinuousConversion</a:t>
+            </a:r>
+            <a:r>
+              <a:rPr lang="en-US" altLang="ko-KR" sz="1400" dirty="0">
+                <a:solidFill>
+                  <a:srgbClr val="FF0000"/>
+                </a:solidFill>
+              </a:rPr>
+              <a:t>, No-</a:t>
+            </a:r>
+            <a:r>
+              <a:rPr lang="en-US" altLang="ko-KR" sz="1400" dirty="0" err="1">
+                <a:solidFill>
+                  <a:srgbClr val="FF0000"/>
+                </a:solidFill>
+              </a:rPr>
+              <a:t>AutoTrigger</a:t>
+            </a:r>
+            <a:r>
+              <a:rPr lang="ko-KR" altLang="en-US" sz="1400" dirty="0">
+                <a:solidFill>
+                  <a:srgbClr val="FF0000"/>
+                </a:solidFill>
+              </a:rPr>
+              <a:t>설정</a:t>
+            </a:r>
+            <a:endParaRPr lang="en-US" altLang="ko-KR" sz="1400" dirty="0">
+              <a:solidFill>
+                <a:srgbClr val="FF0000"/>
+              </a:solidFill>
+            </a:endParaRPr>
+          </a:p>
+        </p:txBody>
+      </p:sp>
+      <p:sp>
+        <p:nvSpPr>
+          <p:cNvPr id="8" name="TextBox 7">
+            <a:extLst>
+              <a:ext uri="{FF2B5EF4-FFF2-40B4-BE49-F238E27FC236}">
+                <a16:creationId xmlns:a16="http://schemas.microsoft.com/office/drawing/2014/main" id="{4AB2DDE6-28DD-EEDE-6810-D8B7760E93A6}"/>
+              </a:ext>
+            </a:extLst>
+          </p:cNvPr>
+          <p:cNvSpPr txBox="1"/>
+          <p:nvPr/>
+        </p:nvSpPr>
+        <p:spPr>
+          <a:xfrm>
+            <a:off x="339635" y="1202897"/>
+            <a:ext cx="6097712" cy="5298886"/>
+          </a:xfrm>
+          <a:prstGeom prst="rect">
+            <a:avLst/>
+          </a:prstGeom>
+          <a:solidFill>
+            <a:schemeClr val="tx1">
+              <a:lumMod val="85000"/>
+              <a:lumOff val="15000"/>
+            </a:schemeClr>
+          </a:solidFill>
+        </p:spPr>
+        <p:txBody>
+          <a:bodyPr wrap="square">
+            <a:spAutoFit/>
+          </a:bodyPr>
+          <a:lstStyle/>
+          <a:p>
+            <a:pPr>
+              <a:lnSpc>
+                <a:spcPts val="1425"/>
+              </a:lnSpc>
+              <a:buNone/>
+            </a:pPr>
+            <a:r>
+              <a:rPr lang="en-US" altLang="ko-KR" sz="1100" b="0" dirty="0">
+                <a:solidFill>
+                  <a:srgbClr val="569CD6"/>
+                </a:solidFill>
+                <a:effectLst/>
+                <a:latin typeface="Consolas" panose="020B0609020204030204" pitchFamily="49" charset="0"/>
+              </a:rPr>
+              <a:t>volatile</a:t>
+            </a:r>
+            <a:r>
+              <a:rPr lang="en-US" altLang="ko-KR" sz="1100" b="0" dirty="0">
+                <a:solidFill>
+                  <a:srgbClr val="CCCCCC"/>
+                </a:solidFill>
+                <a:effectLst/>
+                <a:latin typeface="Consolas" panose="020B0609020204030204" pitchFamily="49" charset="0"/>
+              </a:rPr>
+              <a:t> </a:t>
+            </a:r>
+            <a:r>
+              <a:rPr lang="en-US" altLang="ko-KR" sz="1100" b="0" dirty="0">
+                <a:solidFill>
+                  <a:srgbClr val="569CD6"/>
+                </a:solidFill>
+                <a:effectLst/>
+                <a:latin typeface="Consolas" panose="020B0609020204030204" pitchFamily="49" charset="0"/>
+              </a:rPr>
+              <a:t>bool</a:t>
+            </a:r>
+            <a:r>
+              <a:rPr lang="en-US" altLang="ko-KR" sz="1100" b="0" dirty="0">
+                <a:solidFill>
+                  <a:srgbClr val="CCCCCC"/>
+                </a:solidFill>
+                <a:effectLst/>
+                <a:latin typeface="Consolas" panose="020B0609020204030204" pitchFamily="49" charset="0"/>
+              </a:rPr>
+              <a:t> </a:t>
+            </a:r>
+            <a:r>
+              <a:rPr lang="en-US" altLang="ko-KR" sz="1100" b="0" dirty="0" err="1">
+                <a:solidFill>
+                  <a:srgbClr val="9CDCFE"/>
+                </a:solidFill>
+                <a:effectLst/>
+                <a:latin typeface="Consolas" panose="020B0609020204030204" pitchFamily="49" charset="0"/>
+              </a:rPr>
+              <a:t>adcc_avg_ready</a:t>
+            </a:r>
+            <a:r>
+              <a:rPr lang="en-US" altLang="ko-KR" sz="1100" b="0" dirty="0">
+                <a:solidFill>
+                  <a:srgbClr val="CCCCCC"/>
+                </a:solidFill>
+                <a:effectLst/>
+                <a:latin typeface="Consolas" panose="020B0609020204030204" pitchFamily="49" charset="0"/>
+              </a:rPr>
+              <a:t> </a:t>
+            </a:r>
+            <a:r>
+              <a:rPr lang="en-US" altLang="ko-KR" sz="1100" b="0" dirty="0">
+                <a:solidFill>
+                  <a:srgbClr val="D4D4D4"/>
+                </a:solidFill>
+                <a:effectLst/>
+                <a:latin typeface="Consolas" panose="020B0609020204030204" pitchFamily="49" charset="0"/>
+              </a:rPr>
+              <a:t>=</a:t>
+            </a:r>
+            <a:r>
+              <a:rPr lang="en-US" altLang="ko-KR" sz="1100" b="0" dirty="0">
+                <a:solidFill>
+                  <a:srgbClr val="CCCCCC"/>
+                </a:solidFill>
+                <a:effectLst/>
+                <a:latin typeface="Consolas" panose="020B0609020204030204" pitchFamily="49" charset="0"/>
+              </a:rPr>
+              <a:t> </a:t>
+            </a:r>
+            <a:r>
+              <a:rPr lang="en-US" altLang="ko-KR" sz="1100" b="0" dirty="0">
+                <a:solidFill>
+                  <a:srgbClr val="569CD6"/>
+                </a:solidFill>
+                <a:effectLst/>
+                <a:latin typeface="Consolas" panose="020B0609020204030204" pitchFamily="49" charset="0"/>
+              </a:rPr>
+              <a:t>false</a:t>
+            </a:r>
+            <a:r>
+              <a:rPr lang="en-US" altLang="ko-KR" sz="1100" b="0" dirty="0">
+                <a:solidFill>
+                  <a:srgbClr val="CCCCCC"/>
+                </a:solidFill>
+                <a:effectLst/>
+                <a:latin typeface="Consolas" panose="020B0609020204030204" pitchFamily="49" charset="0"/>
+              </a:rPr>
+              <a:t>;</a:t>
+            </a:r>
+          </a:p>
+          <a:p>
+            <a:pPr>
+              <a:lnSpc>
+                <a:spcPts val="1425"/>
+              </a:lnSpc>
+              <a:buNone/>
+            </a:pPr>
+            <a:r>
+              <a:rPr lang="en-US" altLang="ko-KR" sz="1100" b="0" dirty="0">
+                <a:solidFill>
+                  <a:srgbClr val="569CD6"/>
+                </a:solidFill>
+                <a:effectLst/>
+                <a:latin typeface="Consolas" panose="020B0609020204030204" pitchFamily="49" charset="0"/>
+              </a:rPr>
+              <a:t>void</a:t>
+            </a:r>
+            <a:r>
+              <a:rPr lang="en-US" altLang="ko-KR" sz="1100" b="0" dirty="0">
+                <a:solidFill>
+                  <a:srgbClr val="CCCCCC"/>
+                </a:solidFill>
+                <a:effectLst/>
+                <a:latin typeface="Consolas" panose="020B0609020204030204" pitchFamily="49" charset="0"/>
+              </a:rPr>
+              <a:t> </a:t>
+            </a:r>
+            <a:r>
+              <a:rPr lang="en-US" altLang="ko-KR" sz="1100" b="0" dirty="0" err="1">
+                <a:solidFill>
+                  <a:srgbClr val="DCDCAA"/>
+                </a:solidFill>
+                <a:effectLst/>
+                <a:latin typeface="Consolas" panose="020B0609020204030204" pitchFamily="49" charset="0"/>
+              </a:rPr>
+              <a:t>user_ADCC_ThresholdISR</a:t>
+            </a:r>
+            <a:r>
+              <a:rPr lang="en-US" altLang="ko-KR" sz="1100" b="0" dirty="0">
+                <a:solidFill>
+                  <a:srgbClr val="CCCCCC"/>
+                </a:solidFill>
+                <a:effectLst/>
+                <a:latin typeface="Consolas" panose="020B0609020204030204" pitchFamily="49" charset="0"/>
+              </a:rPr>
+              <a:t>(</a:t>
+            </a:r>
+            <a:r>
+              <a:rPr lang="en-US" altLang="ko-KR" sz="1100" b="0" dirty="0">
+                <a:solidFill>
+                  <a:srgbClr val="569CD6"/>
+                </a:solidFill>
+                <a:effectLst/>
+                <a:latin typeface="Consolas" panose="020B0609020204030204" pitchFamily="49" charset="0"/>
+              </a:rPr>
+              <a:t>void</a:t>
+            </a:r>
+            <a:r>
+              <a:rPr lang="en-US" altLang="ko-KR" sz="1100" b="0" dirty="0">
+                <a:solidFill>
+                  <a:srgbClr val="CCCCCC"/>
+                </a:solidFill>
+                <a:effectLst/>
+                <a:latin typeface="Consolas" panose="020B0609020204030204" pitchFamily="49" charset="0"/>
+              </a:rPr>
+              <a:t>)</a:t>
+            </a:r>
+          </a:p>
+          <a:p>
+            <a:pPr>
+              <a:lnSpc>
+                <a:spcPts val="1425"/>
+              </a:lnSpc>
+              <a:buNone/>
+            </a:pPr>
+            <a:r>
+              <a:rPr lang="en-US" altLang="ko-KR" sz="1100" b="0" dirty="0">
+                <a:solidFill>
+                  <a:srgbClr val="CCCCCC"/>
+                </a:solidFill>
+                <a:effectLst/>
+                <a:latin typeface="Consolas" panose="020B0609020204030204" pitchFamily="49" charset="0"/>
+              </a:rPr>
+              <a:t>{</a:t>
+            </a:r>
+          </a:p>
+          <a:p>
+            <a:pPr>
+              <a:lnSpc>
+                <a:spcPts val="1425"/>
+              </a:lnSpc>
+              <a:buNone/>
+            </a:pPr>
+            <a:r>
+              <a:rPr lang="en-US" altLang="ko-KR" sz="1100" b="0" dirty="0">
+                <a:solidFill>
+                  <a:srgbClr val="CCCCCC"/>
+                </a:solidFill>
+                <a:effectLst/>
+                <a:latin typeface="Consolas" panose="020B0609020204030204" pitchFamily="49" charset="0"/>
+              </a:rPr>
+              <a:t>    </a:t>
+            </a:r>
+            <a:r>
+              <a:rPr lang="en-US" altLang="ko-KR" sz="1100" b="0" dirty="0" err="1">
+                <a:solidFill>
+                  <a:srgbClr val="9CDCFE"/>
+                </a:solidFill>
+                <a:effectLst/>
+                <a:latin typeface="Consolas" panose="020B0609020204030204" pitchFamily="49" charset="0"/>
+              </a:rPr>
+              <a:t>adcc_avg_ready</a:t>
+            </a:r>
+            <a:r>
+              <a:rPr lang="en-US" altLang="ko-KR" sz="1100" b="0" dirty="0">
+                <a:solidFill>
+                  <a:srgbClr val="CCCCCC"/>
+                </a:solidFill>
+                <a:effectLst/>
+                <a:latin typeface="Consolas" panose="020B0609020204030204" pitchFamily="49" charset="0"/>
+              </a:rPr>
+              <a:t> </a:t>
+            </a:r>
+            <a:r>
+              <a:rPr lang="en-US" altLang="ko-KR" sz="1100" b="0" dirty="0">
+                <a:solidFill>
+                  <a:srgbClr val="D4D4D4"/>
+                </a:solidFill>
+                <a:effectLst/>
+                <a:latin typeface="Consolas" panose="020B0609020204030204" pitchFamily="49" charset="0"/>
+              </a:rPr>
+              <a:t>=</a:t>
+            </a:r>
+            <a:r>
+              <a:rPr lang="en-US" altLang="ko-KR" sz="1100" b="0" dirty="0">
+                <a:solidFill>
+                  <a:srgbClr val="CCCCCC"/>
+                </a:solidFill>
+                <a:effectLst/>
+                <a:latin typeface="Consolas" panose="020B0609020204030204" pitchFamily="49" charset="0"/>
+              </a:rPr>
+              <a:t> </a:t>
+            </a:r>
+            <a:r>
+              <a:rPr lang="en-US" altLang="ko-KR" sz="1100" b="0" dirty="0">
+                <a:solidFill>
+                  <a:srgbClr val="569CD6"/>
+                </a:solidFill>
+                <a:effectLst/>
+                <a:latin typeface="Consolas" panose="020B0609020204030204" pitchFamily="49" charset="0"/>
+              </a:rPr>
+              <a:t>true</a:t>
+            </a:r>
+            <a:r>
+              <a:rPr lang="en-US" altLang="ko-KR" sz="1100" b="0" dirty="0">
+                <a:solidFill>
+                  <a:srgbClr val="CCCCCC"/>
+                </a:solidFill>
+                <a:effectLst/>
+                <a:latin typeface="Consolas" panose="020B0609020204030204" pitchFamily="49" charset="0"/>
+              </a:rPr>
+              <a:t>;</a:t>
+            </a:r>
+            <a:r>
+              <a:rPr lang="en-US" altLang="ko-KR" sz="1100" b="0" dirty="0">
+                <a:solidFill>
+                  <a:srgbClr val="6A9955"/>
+                </a:solidFill>
+                <a:effectLst/>
+                <a:latin typeface="Consolas" panose="020B0609020204030204" pitchFamily="49" charset="0"/>
+              </a:rPr>
+              <a:t>  // RPT </a:t>
+            </a:r>
+            <a:r>
+              <a:rPr lang="ko-KR" altLang="en-US" sz="1100" b="0" dirty="0">
+                <a:solidFill>
+                  <a:srgbClr val="6A9955"/>
+                </a:solidFill>
+                <a:effectLst/>
+                <a:latin typeface="Consolas" panose="020B0609020204030204" pitchFamily="49" charset="0"/>
+              </a:rPr>
+              <a:t>횟수만큼 샘플링 완료 → 평균값 준비됨</a:t>
+            </a:r>
+            <a:endParaRPr lang="ko-KR" altLang="en-US" sz="1100" b="0" dirty="0">
+              <a:solidFill>
+                <a:srgbClr val="CCCCCC"/>
+              </a:solidFill>
+              <a:effectLst/>
+              <a:latin typeface="Consolas" panose="020B0609020204030204" pitchFamily="49" charset="0"/>
+            </a:endParaRPr>
+          </a:p>
+          <a:p>
+            <a:pPr>
+              <a:lnSpc>
+                <a:spcPts val="1425"/>
+              </a:lnSpc>
+              <a:buNone/>
+            </a:pPr>
+            <a:r>
+              <a:rPr lang="en-US" altLang="ko-KR" sz="1100" b="0" dirty="0">
+                <a:solidFill>
+                  <a:srgbClr val="CCCCCC"/>
+                </a:solidFill>
+                <a:effectLst/>
+                <a:latin typeface="Consolas" panose="020B0609020204030204" pitchFamily="49" charset="0"/>
+              </a:rPr>
+              <a:t>}</a:t>
+            </a:r>
+          </a:p>
+          <a:p>
+            <a:pPr>
+              <a:lnSpc>
+                <a:spcPts val="1425"/>
+              </a:lnSpc>
+              <a:buNone/>
+            </a:pPr>
+            <a:br>
+              <a:rPr lang="en-US" altLang="ko-KR" sz="1100" b="0" dirty="0">
+                <a:solidFill>
+                  <a:srgbClr val="CCCCCC"/>
+                </a:solidFill>
+                <a:effectLst/>
+                <a:latin typeface="Consolas" panose="020B0609020204030204" pitchFamily="49" charset="0"/>
+              </a:rPr>
+            </a:br>
+            <a:endParaRPr lang="en-US" altLang="ko-KR" sz="1100" b="0" dirty="0">
+              <a:solidFill>
+                <a:srgbClr val="CCCCCC"/>
+              </a:solidFill>
+              <a:effectLst/>
+              <a:latin typeface="Consolas" panose="020B0609020204030204" pitchFamily="49" charset="0"/>
+            </a:endParaRPr>
+          </a:p>
+          <a:p>
+            <a:pPr>
+              <a:lnSpc>
+                <a:spcPts val="1425"/>
+              </a:lnSpc>
+              <a:buNone/>
+            </a:pPr>
+            <a:r>
+              <a:rPr lang="en-US" altLang="ko-KR" sz="1100" b="0" dirty="0">
+                <a:solidFill>
+                  <a:srgbClr val="4EC9B0"/>
+                </a:solidFill>
+                <a:effectLst/>
+                <a:latin typeface="Consolas" panose="020B0609020204030204" pitchFamily="49" charset="0"/>
+              </a:rPr>
+              <a:t>uint16_t</a:t>
+            </a:r>
+            <a:r>
+              <a:rPr lang="en-US" altLang="ko-KR" sz="1100" b="0" dirty="0">
+                <a:solidFill>
+                  <a:srgbClr val="CCCCCC"/>
+                </a:solidFill>
+                <a:effectLst/>
+                <a:latin typeface="Consolas" panose="020B0609020204030204" pitchFamily="49" charset="0"/>
+              </a:rPr>
+              <a:t> </a:t>
+            </a:r>
+            <a:r>
+              <a:rPr lang="en-US" altLang="ko-KR" sz="1100" b="0" dirty="0" err="1">
+                <a:solidFill>
+                  <a:srgbClr val="DCDCAA"/>
+                </a:solidFill>
+                <a:effectLst/>
+                <a:latin typeface="Consolas" panose="020B0609020204030204" pitchFamily="49" charset="0"/>
+              </a:rPr>
+              <a:t>UTO_ADCC_GetAvgConversion</a:t>
+            </a:r>
+            <a:r>
+              <a:rPr lang="en-US" altLang="ko-KR" sz="1100" b="0" dirty="0">
+                <a:solidFill>
+                  <a:srgbClr val="CCCCCC"/>
+                </a:solidFill>
+                <a:effectLst/>
+                <a:latin typeface="Consolas" panose="020B0609020204030204" pitchFamily="49" charset="0"/>
+              </a:rPr>
+              <a:t>(</a:t>
+            </a:r>
+            <a:r>
+              <a:rPr lang="en-US" altLang="ko-KR" sz="1100" b="0" dirty="0" err="1">
+                <a:solidFill>
+                  <a:srgbClr val="4EC9B0"/>
+                </a:solidFill>
+                <a:effectLst/>
+                <a:latin typeface="Consolas" panose="020B0609020204030204" pitchFamily="49" charset="0"/>
+              </a:rPr>
+              <a:t>adcc_channel_t</a:t>
+            </a:r>
+            <a:r>
+              <a:rPr lang="en-US" altLang="ko-KR" sz="1100" b="0" dirty="0">
+                <a:solidFill>
+                  <a:srgbClr val="CCCCCC"/>
+                </a:solidFill>
+                <a:effectLst/>
+                <a:latin typeface="Consolas" panose="020B0609020204030204" pitchFamily="49" charset="0"/>
+              </a:rPr>
+              <a:t> </a:t>
+            </a:r>
+            <a:r>
+              <a:rPr lang="en-US" altLang="ko-KR" sz="1100" b="0" dirty="0">
+                <a:solidFill>
+                  <a:srgbClr val="9CDCFE"/>
+                </a:solidFill>
+                <a:effectLst/>
+                <a:latin typeface="Consolas" panose="020B0609020204030204" pitchFamily="49" charset="0"/>
+              </a:rPr>
+              <a:t>channel</a:t>
+            </a:r>
+            <a:r>
+              <a:rPr lang="en-US" altLang="ko-KR" sz="1100" b="0" dirty="0">
+                <a:solidFill>
+                  <a:srgbClr val="CCCCCC"/>
+                </a:solidFill>
+                <a:effectLst/>
+                <a:latin typeface="Consolas" panose="020B0609020204030204" pitchFamily="49" charset="0"/>
+              </a:rPr>
+              <a:t>)</a:t>
+            </a:r>
+          </a:p>
+          <a:p>
+            <a:pPr>
+              <a:lnSpc>
+                <a:spcPts val="1425"/>
+              </a:lnSpc>
+              <a:buNone/>
+            </a:pPr>
+            <a:r>
+              <a:rPr lang="en-US" altLang="ko-KR" sz="1100" b="0" dirty="0">
+                <a:solidFill>
+                  <a:srgbClr val="CCCCCC"/>
+                </a:solidFill>
+                <a:effectLst/>
+                <a:latin typeface="Consolas" panose="020B0609020204030204" pitchFamily="49" charset="0"/>
+              </a:rPr>
+              <a:t>{</a:t>
+            </a:r>
+          </a:p>
+          <a:p>
+            <a:pPr>
+              <a:lnSpc>
+                <a:spcPts val="1425"/>
+              </a:lnSpc>
+              <a:buNone/>
+            </a:pPr>
+            <a:r>
+              <a:rPr lang="en-US" altLang="ko-KR" sz="1100" b="0" dirty="0">
+                <a:solidFill>
+                  <a:srgbClr val="CCCCCC"/>
+                </a:solidFill>
+                <a:effectLst/>
+                <a:latin typeface="Consolas" panose="020B0609020204030204" pitchFamily="49" charset="0"/>
+              </a:rPr>
+              <a:t>    </a:t>
+            </a:r>
+            <a:r>
+              <a:rPr lang="en-US" altLang="ko-KR" sz="1100" b="0" dirty="0">
+                <a:solidFill>
+                  <a:srgbClr val="569CD6"/>
+                </a:solidFill>
+                <a:effectLst/>
+                <a:latin typeface="Consolas" panose="020B0609020204030204" pitchFamily="49" charset="0"/>
+              </a:rPr>
+              <a:t>ADPCH</a:t>
+            </a:r>
+            <a:r>
+              <a:rPr lang="en-US" altLang="ko-KR" sz="1100" b="0" dirty="0">
+                <a:solidFill>
+                  <a:srgbClr val="CCCCCC"/>
+                </a:solidFill>
+                <a:effectLst/>
+                <a:latin typeface="Consolas" panose="020B0609020204030204" pitchFamily="49" charset="0"/>
+              </a:rPr>
+              <a:t> </a:t>
+            </a:r>
+            <a:r>
+              <a:rPr lang="en-US" altLang="ko-KR" sz="1100" b="0" dirty="0">
+                <a:solidFill>
+                  <a:srgbClr val="D4D4D4"/>
+                </a:solidFill>
+                <a:effectLst/>
+                <a:latin typeface="Consolas" panose="020B0609020204030204" pitchFamily="49" charset="0"/>
+              </a:rPr>
+              <a:t>=</a:t>
+            </a:r>
+            <a:r>
+              <a:rPr lang="en-US" altLang="ko-KR" sz="1100" b="0" dirty="0">
+                <a:solidFill>
+                  <a:srgbClr val="CCCCCC"/>
+                </a:solidFill>
+                <a:effectLst/>
+                <a:latin typeface="Consolas" panose="020B0609020204030204" pitchFamily="49" charset="0"/>
+              </a:rPr>
+              <a:t> channel;</a:t>
+            </a:r>
+            <a:r>
+              <a:rPr lang="en-US" altLang="ko-KR" sz="1100" b="0" dirty="0">
+                <a:solidFill>
+                  <a:srgbClr val="6A9955"/>
+                </a:solidFill>
+                <a:effectLst/>
+                <a:latin typeface="Consolas" panose="020B0609020204030204" pitchFamily="49" charset="0"/>
+              </a:rPr>
+              <a:t>        // select the A/D channel</a:t>
+            </a:r>
+            <a:endParaRPr lang="en-US" altLang="ko-KR" sz="1100" b="0" dirty="0">
+              <a:solidFill>
+                <a:srgbClr val="CCCCCC"/>
+              </a:solidFill>
+              <a:effectLst/>
+              <a:latin typeface="Consolas" panose="020B0609020204030204" pitchFamily="49" charset="0"/>
+            </a:endParaRPr>
+          </a:p>
+          <a:p>
+            <a:pPr>
+              <a:lnSpc>
+                <a:spcPts val="1425"/>
+              </a:lnSpc>
+              <a:buNone/>
+            </a:pPr>
+            <a:br>
+              <a:rPr lang="en-US" altLang="ko-KR" sz="1100" b="0" dirty="0">
+                <a:solidFill>
+                  <a:srgbClr val="CCCCCC"/>
+                </a:solidFill>
+                <a:effectLst/>
+                <a:latin typeface="Consolas" panose="020B0609020204030204" pitchFamily="49" charset="0"/>
+              </a:rPr>
+            </a:br>
+            <a:endParaRPr lang="en-US" altLang="ko-KR" sz="1100" b="0" dirty="0">
+              <a:solidFill>
+                <a:srgbClr val="CCCCCC"/>
+              </a:solidFill>
+              <a:effectLst/>
+              <a:latin typeface="Consolas" panose="020B0609020204030204" pitchFamily="49" charset="0"/>
+            </a:endParaRPr>
+          </a:p>
+          <a:p>
+            <a:pPr>
+              <a:lnSpc>
+                <a:spcPts val="1425"/>
+              </a:lnSpc>
+              <a:buNone/>
+            </a:pPr>
+            <a:r>
+              <a:rPr lang="en-US" altLang="ko-KR" sz="1100" b="0" dirty="0">
+                <a:solidFill>
+                  <a:srgbClr val="CCCCCC"/>
+                </a:solidFill>
+                <a:effectLst/>
+                <a:latin typeface="Consolas" panose="020B0609020204030204" pitchFamily="49" charset="0"/>
+              </a:rPr>
+              <a:t>    </a:t>
+            </a:r>
+            <a:r>
+              <a:rPr lang="en-US" altLang="ko-KR" sz="1100" b="0" dirty="0">
+                <a:solidFill>
+                  <a:srgbClr val="6A9955"/>
+                </a:solidFill>
+                <a:effectLst/>
+                <a:latin typeface="Consolas" panose="020B0609020204030204" pitchFamily="49" charset="0"/>
+              </a:rPr>
+              <a:t>//ADCON0bits.ADON = 1;    // Turn on the ADC module</a:t>
+            </a:r>
+            <a:endParaRPr lang="en-US" altLang="ko-KR" sz="1100" b="0" dirty="0">
+              <a:solidFill>
+                <a:srgbClr val="CCCCCC"/>
+              </a:solidFill>
+              <a:effectLst/>
+              <a:latin typeface="Consolas" panose="020B0609020204030204" pitchFamily="49" charset="0"/>
+            </a:endParaRPr>
+          </a:p>
+          <a:p>
+            <a:pPr>
+              <a:lnSpc>
+                <a:spcPts val="1425"/>
+              </a:lnSpc>
+              <a:buNone/>
+            </a:pPr>
+            <a:r>
+              <a:rPr lang="en-US" altLang="ko-KR" sz="1100" b="0" dirty="0">
+                <a:solidFill>
+                  <a:srgbClr val="CCCCCC"/>
+                </a:solidFill>
+                <a:effectLst/>
+                <a:latin typeface="Consolas" panose="020B0609020204030204" pitchFamily="49" charset="0"/>
+              </a:rPr>
+              <a:t>    </a:t>
+            </a:r>
+            <a:r>
+              <a:rPr lang="en-US" altLang="ko-KR" sz="1100" b="0" dirty="0">
+                <a:solidFill>
+                  <a:srgbClr val="6A9955"/>
+                </a:solidFill>
+                <a:effectLst/>
+                <a:latin typeface="Consolas" panose="020B0609020204030204" pitchFamily="49" charset="0"/>
+              </a:rPr>
+              <a:t>//ADCON0bits.ADCONT = 0;  //Disable the continuous mode.</a:t>
+            </a:r>
+            <a:endParaRPr lang="en-US" altLang="ko-KR" sz="1100" b="0" dirty="0">
+              <a:solidFill>
+                <a:srgbClr val="CCCCCC"/>
+              </a:solidFill>
+              <a:effectLst/>
+              <a:latin typeface="Consolas" panose="020B0609020204030204" pitchFamily="49" charset="0"/>
+            </a:endParaRPr>
+          </a:p>
+          <a:p>
+            <a:pPr>
+              <a:lnSpc>
+                <a:spcPts val="1425"/>
+              </a:lnSpc>
+              <a:buNone/>
+            </a:pPr>
+            <a:br>
+              <a:rPr lang="en-US" altLang="ko-KR" sz="1100" b="0" dirty="0">
+                <a:solidFill>
+                  <a:srgbClr val="CCCCCC"/>
+                </a:solidFill>
+                <a:effectLst/>
+                <a:latin typeface="Consolas" panose="020B0609020204030204" pitchFamily="49" charset="0"/>
+              </a:rPr>
+            </a:br>
+            <a:endParaRPr lang="en-US" altLang="ko-KR" sz="1100" b="0" dirty="0">
+              <a:solidFill>
+                <a:srgbClr val="CCCCCC"/>
+              </a:solidFill>
+              <a:effectLst/>
+              <a:latin typeface="Consolas" panose="020B0609020204030204" pitchFamily="49" charset="0"/>
+            </a:endParaRPr>
+          </a:p>
+          <a:p>
+            <a:pPr>
+              <a:lnSpc>
+                <a:spcPts val="1425"/>
+              </a:lnSpc>
+              <a:buNone/>
+            </a:pPr>
+            <a:r>
+              <a:rPr lang="en-US" altLang="ko-KR" sz="1100" b="0" dirty="0">
+                <a:solidFill>
+                  <a:srgbClr val="CCCCCC"/>
+                </a:solidFill>
+                <a:effectLst/>
+                <a:latin typeface="Consolas" panose="020B0609020204030204" pitchFamily="49" charset="0"/>
+              </a:rPr>
+              <a:t>    </a:t>
+            </a:r>
+            <a:r>
+              <a:rPr lang="en-US" altLang="ko-KR" sz="1100" b="0" dirty="0">
+                <a:solidFill>
+                  <a:srgbClr val="9CDCFE"/>
+                </a:solidFill>
+                <a:effectLst/>
+                <a:latin typeface="Consolas" panose="020B0609020204030204" pitchFamily="49" charset="0"/>
+              </a:rPr>
+              <a:t>ADCON0bits</a:t>
+            </a:r>
+            <a:r>
+              <a:rPr lang="en-US" altLang="ko-KR" sz="1100" b="0" dirty="0">
+                <a:solidFill>
+                  <a:srgbClr val="CCCCCC"/>
+                </a:solidFill>
+                <a:effectLst/>
+                <a:latin typeface="Consolas" panose="020B0609020204030204" pitchFamily="49" charset="0"/>
+              </a:rPr>
+              <a:t>.</a:t>
+            </a:r>
+            <a:r>
+              <a:rPr lang="en-US" altLang="ko-KR" sz="1100" b="0" dirty="0">
+                <a:solidFill>
+                  <a:srgbClr val="9CDCFE"/>
+                </a:solidFill>
+                <a:effectLst/>
+                <a:latin typeface="Consolas" panose="020B0609020204030204" pitchFamily="49" charset="0"/>
+              </a:rPr>
+              <a:t>ADGO</a:t>
+            </a:r>
+            <a:r>
+              <a:rPr lang="en-US" altLang="ko-KR" sz="1100" b="0" dirty="0">
+                <a:solidFill>
+                  <a:srgbClr val="CCCCCC"/>
+                </a:solidFill>
+                <a:effectLst/>
+                <a:latin typeface="Consolas" panose="020B0609020204030204" pitchFamily="49" charset="0"/>
+              </a:rPr>
+              <a:t> </a:t>
+            </a:r>
+            <a:r>
+              <a:rPr lang="en-US" altLang="ko-KR" sz="1100" b="0" dirty="0">
+                <a:solidFill>
+                  <a:srgbClr val="D4D4D4"/>
+                </a:solidFill>
+                <a:effectLst/>
+                <a:latin typeface="Consolas" panose="020B0609020204030204" pitchFamily="49" charset="0"/>
+              </a:rPr>
+              <a:t>=</a:t>
+            </a:r>
+            <a:r>
+              <a:rPr lang="en-US" altLang="ko-KR" sz="1100" b="0" dirty="0">
+                <a:solidFill>
+                  <a:srgbClr val="CCCCCC"/>
+                </a:solidFill>
+                <a:effectLst/>
+                <a:latin typeface="Consolas" panose="020B0609020204030204" pitchFamily="49" charset="0"/>
+              </a:rPr>
+              <a:t> </a:t>
+            </a:r>
+            <a:r>
+              <a:rPr lang="en-US" altLang="ko-KR" sz="1100" b="0" dirty="0">
+                <a:solidFill>
+                  <a:srgbClr val="B5CEA8"/>
+                </a:solidFill>
+                <a:effectLst/>
+                <a:latin typeface="Consolas" panose="020B0609020204030204" pitchFamily="49" charset="0"/>
+              </a:rPr>
+              <a:t>1</a:t>
+            </a:r>
+            <a:r>
+              <a:rPr lang="en-US" altLang="ko-KR" sz="1100" b="0" dirty="0">
+                <a:solidFill>
+                  <a:srgbClr val="CCCCCC"/>
+                </a:solidFill>
+                <a:effectLst/>
+                <a:latin typeface="Consolas" panose="020B0609020204030204" pitchFamily="49" charset="0"/>
+              </a:rPr>
+              <a:t>;</a:t>
+            </a:r>
+          </a:p>
+          <a:p>
+            <a:pPr>
+              <a:lnSpc>
+                <a:spcPts val="1425"/>
+              </a:lnSpc>
+              <a:buNone/>
+            </a:pPr>
+            <a:r>
+              <a:rPr lang="en-US" altLang="ko-KR" sz="1100" b="0" dirty="0">
+                <a:solidFill>
+                  <a:srgbClr val="CCCCCC"/>
+                </a:solidFill>
+                <a:effectLst/>
+                <a:latin typeface="Consolas" panose="020B0609020204030204" pitchFamily="49" charset="0"/>
+              </a:rPr>
+              <a:t>    </a:t>
+            </a:r>
+            <a:r>
+              <a:rPr lang="en-US" altLang="ko-KR" sz="1100" b="0" dirty="0" err="1">
+                <a:solidFill>
+                  <a:srgbClr val="9CDCFE"/>
+                </a:solidFill>
+                <a:effectLst/>
+                <a:latin typeface="Consolas" panose="020B0609020204030204" pitchFamily="49" charset="0"/>
+              </a:rPr>
+              <a:t>adcc_avg_ready</a:t>
+            </a:r>
+            <a:r>
+              <a:rPr lang="en-US" altLang="ko-KR" sz="1100" b="0" dirty="0">
+                <a:solidFill>
+                  <a:srgbClr val="D4D4D4"/>
+                </a:solidFill>
+                <a:effectLst/>
+                <a:latin typeface="Consolas" panose="020B0609020204030204" pitchFamily="49" charset="0"/>
+              </a:rPr>
+              <a:t>=</a:t>
+            </a:r>
+            <a:r>
+              <a:rPr lang="en-US" altLang="ko-KR" sz="1100" b="0" dirty="0">
+                <a:solidFill>
+                  <a:srgbClr val="CCCCCC"/>
+                </a:solidFill>
+                <a:effectLst/>
+                <a:latin typeface="Consolas" panose="020B0609020204030204" pitchFamily="49" charset="0"/>
+              </a:rPr>
+              <a:t> </a:t>
+            </a:r>
+            <a:r>
+              <a:rPr lang="en-US" altLang="ko-KR" sz="1100" b="0" dirty="0">
+                <a:solidFill>
+                  <a:srgbClr val="569CD6"/>
+                </a:solidFill>
+                <a:effectLst/>
+                <a:latin typeface="Consolas" panose="020B0609020204030204" pitchFamily="49" charset="0"/>
+              </a:rPr>
+              <a:t>false</a:t>
+            </a:r>
+            <a:r>
+              <a:rPr lang="en-US" altLang="ko-KR" sz="1100" b="0" dirty="0">
+                <a:solidFill>
+                  <a:srgbClr val="CCCCCC"/>
+                </a:solidFill>
+                <a:effectLst/>
+                <a:latin typeface="Consolas" panose="020B0609020204030204" pitchFamily="49" charset="0"/>
+              </a:rPr>
+              <a:t>;</a:t>
+            </a:r>
+          </a:p>
+          <a:p>
+            <a:pPr>
+              <a:lnSpc>
+                <a:spcPts val="1425"/>
+              </a:lnSpc>
+              <a:buNone/>
+            </a:pPr>
+            <a:r>
+              <a:rPr lang="en-US" altLang="ko-KR" sz="1100" b="0" dirty="0">
+                <a:solidFill>
+                  <a:srgbClr val="CCCCCC"/>
+                </a:solidFill>
+                <a:effectLst/>
+                <a:latin typeface="Consolas" panose="020B0609020204030204" pitchFamily="49" charset="0"/>
+              </a:rPr>
+              <a:t>    </a:t>
+            </a:r>
+          </a:p>
+          <a:p>
+            <a:pPr>
+              <a:lnSpc>
+                <a:spcPts val="1425"/>
+              </a:lnSpc>
+              <a:buNone/>
+            </a:pPr>
+            <a:r>
+              <a:rPr lang="en-US" altLang="ko-KR" sz="1100" b="0" dirty="0">
+                <a:solidFill>
+                  <a:srgbClr val="CCCCCC"/>
+                </a:solidFill>
+                <a:effectLst/>
+                <a:latin typeface="Consolas" panose="020B0609020204030204" pitchFamily="49" charset="0"/>
+              </a:rPr>
+              <a:t>    </a:t>
+            </a:r>
+            <a:r>
+              <a:rPr lang="en-US" altLang="ko-KR" sz="1100" b="0" dirty="0">
+                <a:solidFill>
+                  <a:srgbClr val="C586C0"/>
+                </a:solidFill>
+                <a:effectLst/>
+                <a:latin typeface="Consolas" panose="020B0609020204030204" pitchFamily="49" charset="0"/>
+              </a:rPr>
+              <a:t>while</a:t>
+            </a:r>
+            <a:r>
+              <a:rPr lang="en-US" altLang="ko-KR" sz="1100" b="0" dirty="0">
+                <a:solidFill>
+                  <a:srgbClr val="CCCCCC"/>
+                </a:solidFill>
+                <a:effectLst/>
+                <a:latin typeface="Consolas" panose="020B0609020204030204" pitchFamily="49" charset="0"/>
+              </a:rPr>
+              <a:t>( </a:t>
+            </a:r>
+            <a:r>
+              <a:rPr lang="en-US" altLang="ko-KR" sz="1100" b="0" dirty="0">
+                <a:solidFill>
+                  <a:srgbClr val="D4D4D4"/>
+                </a:solidFill>
+                <a:effectLst/>
+                <a:latin typeface="Consolas" panose="020B0609020204030204" pitchFamily="49" charset="0"/>
+              </a:rPr>
+              <a:t>!</a:t>
+            </a:r>
+            <a:r>
+              <a:rPr lang="en-US" altLang="ko-KR" sz="1100" b="0" dirty="0" err="1">
+                <a:solidFill>
+                  <a:srgbClr val="9CDCFE"/>
+                </a:solidFill>
+                <a:effectLst/>
+                <a:latin typeface="Consolas" panose="020B0609020204030204" pitchFamily="49" charset="0"/>
+              </a:rPr>
+              <a:t>adcc_avg_ready</a:t>
+            </a:r>
+            <a:r>
+              <a:rPr lang="en-US" altLang="ko-KR" sz="1100" b="0" dirty="0">
+                <a:solidFill>
+                  <a:srgbClr val="CCCCCC"/>
+                </a:solidFill>
+                <a:effectLst/>
+                <a:latin typeface="Consolas" panose="020B0609020204030204" pitchFamily="49" charset="0"/>
+              </a:rPr>
+              <a:t> );</a:t>
+            </a:r>
+          </a:p>
+          <a:p>
+            <a:pPr>
+              <a:lnSpc>
+                <a:spcPts val="1425"/>
+              </a:lnSpc>
+              <a:buNone/>
+            </a:pPr>
+            <a:r>
+              <a:rPr lang="en-US" altLang="ko-KR" sz="1100" b="0" dirty="0">
+                <a:solidFill>
+                  <a:srgbClr val="CCCCCC"/>
+                </a:solidFill>
+                <a:effectLst/>
+                <a:latin typeface="Consolas" panose="020B0609020204030204" pitchFamily="49" charset="0"/>
+              </a:rPr>
+              <a:t>    </a:t>
+            </a:r>
+            <a:r>
+              <a:rPr lang="en-US" altLang="ko-KR" sz="1100" b="0" dirty="0">
+                <a:solidFill>
+                  <a:srgbClr val="4EC9B0"/>
+                </a:solidFill>
+                <a:effectLst/>
+                <a:latin typeface="Consolas" panose="020B0609020204030204" pitchFamily="49" charset="0"/>
+              </a:rPr>
+              <a:t>uint16_t</a:t>
+            </a:r>
+            <a:r>
+              <a:rPr lang="en-US" altLang="ko-KR" sz="1100" b="0" dirty="0">
+                <a:solidFill>
+                  <a:srgbClr val="CCCCCC"/>
+                </a:solidFill>
+                <a:effectLst/>
+                <a:latin typeface="Consolas" panose="020B0609020204030204" pitchFamily="49" charset="0"/>
+              </a:rPr>
+              <a:t> </a:t>
+            </a:r>
+            <a:r>
+              <a:rPr lang="en-US" altLang="ko-KR" sz="1100" b="0" dirty="0" err="1">
+                <a:solidFill>
+                  <a:srgbClr val="9CDCFE"/>
+                </a:solidFill>
+                <a:effectLst/>
+                <a:latin typeface="Consolas" panose="020B0609020204030204" pitchFamily="49" charset="0"/>
+              </a:rPr>
+              <a:t>adc_val</a:t>
+            </a:r>
+            <a:r>
+              <a:rPr lang="en-US" altLang="ko-KR" sz="1100" b="0" dirty="0">
+                <a:solidFill>
+                  <a:srgbClr val="D4D4D4"/>
+                </a:solidFill>
+                <a:effectLst/>
+                <a:latin typeface="Consolas" panose="020B0609020204030204" pitchFamily="49" charset="0"/>
+              </a:rPr>
+              <a:t>=</a:t>
+            </a:r>
+            <a:r>
+              <a:rPr lang="en-US" altLang="ko-KR" sz="1100" b="0" dirty="0">
+                <a:solidFill>
+                  <a:srgbClr val="CCCCCC"/>
+                </a:solidFill>
+                <a:effectLst/>
+                <a:latin typeface="Consolas" panose="020B0609020204030204" pitchFamily="49" charset="0"/>
+              </a:rPr>
+              <a:t> </a:t>
+            </a:r>
+            <a:r>
+              <a:rPr lang="en-US" altLang="ko-KR" sz="1100" b="0" dirty="0" err="1">
+                <a:solidFill>
+                  <a:srgbClr val="DCDCAA"/>
+                </a:solidFill>
+                <a:effectLst/>
+                <a:latin typeface="Consolas" panose="020B0609020204030204" pitchFamily="49" charset="0"/>
+              </a:rPr>
+              <a:t>ADCC_GetFilterValue</a:t>
+            </a:r>
+            <a:r>
+              <a:rPr lang="en-US" altLang="ko-KR" sz="1100" b="0" dirty="0">
+                <a:solidFill>
+                  <a:srgbClr val="CCCCCC"/>
+                </a:solidFill>
+                <a:effectLst/>
+                <a:latin typeface="Consolas" panose="020B0609020204030204" pitchFamily="49" charset="0"/>
+              </a:rPr>
+              <a:t>();</a:t>
+            </a:r>
+          </a:p>
+          <a:p>
+            <a:pPr>
+              <a:lnSpc>
+                <a:spcPts val="1425"/>
+              </a:lnSpc>
+              <a:buNone/>
+            </a:pPr>
+            <a:r>
+              <a:rPr lang="en-US" altLang="ko-KR" sz="1100" b="0" dirty="0">
+                <a:solidFill>
+                  <a:srgbClr val="CCCCCC"/>
+                </a:solidFill>
+                <a:effectLst/>
+                <a:latin typeface="Consolas" panose="020B0609020204030204" pitchFamily="49" charset="0"/>
+              </a:rPr>
+              <a:t>    </a:t>
+            </a:r>
+            <a:r>
+              <a:rPr lang="en-US" altLang="ko-KR" sz="1100" b="0" dirty="0">
+                <a:solidFill>
+                  <a:srgbClr val="C586C0"/>
+                </a:solidFill>
+                <a:effectLst/>
+                <a:latin typeface="Consolas" panose="020B0609020204030204" pitchFamily="49" charset="0"/>
+              </a:rPr>
+              <a:t>return</a:t>
+            </a:r>
+            <a:r>
+              <a:rPr lang="en-US" altLang="ko-KR" sz="1100" b="0" dirty="0">
+                <a:solidFill>
+                  <a:srgbClr val="CCCCCC"/>
+                </a:solidFill>
+                <a:effectLst/>
+                <a:latin typeface="Consolas" panose="020B0609020204030204" pitchFamily="49" charset="0"/>
+              </a:rPr>
+              <a:t> </a:t>
+            </a:r>
+            <a:r>
+              <a:rPr lang="en-US" altLang="ko-KR" sz="1100" b="0" dirty="0" err="1">
+                <a:solidFill>
+                  <a:srgbClr val="9CDCFE"/>
+                </a:solidFill>
+                <a:effectLst/>
+                <a:latin typeface="Consolas" panose="020B0609020204030204" pitchFamily="49" charset="0"/>
+              </a:rPr>
+              <a:t>adc_val</a:t>
+            </a:r>
+            <a:r>
+              <a:rPr lang="en-US" altLang="ko-KR" sz="1100" b="0" dirty="0">
+                <a:solidFill>
+                  <a:srgbClr val="CCCCCC"/>
+                </a:solidFill>
+                <a:effectLst/>
+                <a:latin typeface="Consolas" panose="020B0609020204030204" pitchFamily="49" charset="0"/>
+              </a:rPr>
+              <a:t>;</a:t>
+            </a:r>
+          </a:p>
+          <a:p>
+            <a:pPr>
+              <a:lnSpc>
+                <a:spcPts val="1425"/>
+              </a:lnSpc>
+              <a:buNone/>
+            </a:pPr>
+            <a:r>
+              <a:rPr lang="en-US" altLang="ko-KR" sz="1100" b="0" dirty="0">
+                <a:solidFill>
+                  <a:srgbClr val="CCCCCC"/>
+                </a:solidFill>
+                <a:effectLst/>
+                <a:latin typeface="Consolas" panose="020B0609020204030204" pitchFamily="49" charset="0"/>
+              </a:rPr>
+              <a:t>}</a:t>
+            </a:r>
+          </a:p>
+          <a:p>
+            <a:pPr>
+              <a:lnSpc>
+                <a:spcPts val="1425"/>
+              </a:lnSpc>
+              <a:buNone/>
+            </a:pPr>
+            <a:br>
+              <a:rPr lang="en-US" altLang="ko-KR" sz="1100" b="0" dirty="0">
+                <a:solidFill>
+                  <a:srgbClr val="CCCCCC"/>
+                </a:solidFill>
+                <a:effectLst/>
+                <a:latin typeface="Consolas" panose="020B0609020204030204" pitchFamily="49" charset="0"/>
+              </a:rPr>
+            </a:br>
+            <a:endParaRPr lang="en-US" altLang="ko-KR" sz="1100" b="0" dirty="0">
+              <a:solidFill>
+                <a:srgbClr val="CCCCCC"/>
+              </a:solidFill>
+              <a:effectLst/>
+              <a:latin typeface="Consolas" panose="020B0609020204030204" pitchFamily="49" charset="0"/>
+            </a:endParaRPr>
+          </a:p>
+          <a:p>
+            <a:pPr>
+              <a:lnSpc>
+                <a:spcPts val="1425"/>
+              </a:lnSpc>
+              <a:buNone/>
+            </a:pPr>
+            <a:r>
+              <a:rPr lang="en-US" altLang="ko-KR" sz="1100" b="0" dirty="0">
+                <a:solidFill>
+                  <a:srgbClr val="569CD6"/>
+                </a:solidFill>
+                <a:effectLst/>
+                <a:latin typeface="Consolas" panose="020B0609020204030204" pitchFamily="49" charset="0"/>
+              </a:rPr>
+              <a:t>void</a:t>
+            </a:r>
+            <a:r>
+              <a:rPr lang="en-US" altLang="ko-KR" sz="1100" b="0" dirty="0">
+                <a:solidFill>
+                  <a:srgbClr val="CCCCCC"/>
+                </a:solidFill>
+                <a:effectLst/>
+                <a:latin typeface="Consolas" panose="020B0609020204030204" pitchFamily="49" charset="0"/>
+              </a:rPr>
+              <a:t> </a:t>
+            </a:r>
+            <a:r>
+              <a:rPr lang="en-US" altLang="ko-KR" sz="1100" b="0" dirty="0">
+                <a:solidFill>
+                  <a:srgbClr val="DCDCAA"/>
+                </a:solidFill>
+                <a:effectLst/>
+                <a:latin typeface="Consolas" panose="020B0609020204030204" pitchFamily="49" charset="0"/>
+              </a:rPr>
+              <a:t>main</a:t>
+            </a:r>
+            <a:r>
+              <a:rPr lang="en-US" altLang="ko-KR" sz="1100" b="0" dirty="0">
+                <a:solidFill>
+                  <a:srgbClr val="CCCCCC"/>
+                </a:solidFill>
+                <a:effectLst/>
+                <a:latin typeface="Consolas" panose="020B0609020204030204" pitchFamily="49" charset="0"/>
+              </a:rPr>
+              <a:t>(</a:t>
+            </a:r>
+            <a:r>
+              <a:rPr lang="en-US" altLang="ko-KR" sz="1100" b="0" dirty="0">
+                <a:solidFill>
+                  <a:srgbClr val="569CD6"/>
+                </a:solidFill>
+                <a:effectLst/>
+                <a:latin typeface="Consolas" panose="020B0609020204030204" pitchFamily="49" charset="0"/>
+              </a:rPr>
+              <a:t>void</a:t>
+            </a:r>
+            <a:r>
+              <a:rPr lang="en-US" altLang="ko-KR" sz="1100" b="0" dirty="0">
+                <a:solidFill>
+                  <a:srgbClr val="CCCCCC"/>
+                </a:solidFill>
+                <a:effectLst/>
+                <a:latin typeface="Consolas" panose="020B0609020204030204" pitchFamily="49" charset="0"/>
+              </a:rPr>
+              <a:t>)</a:t>
+            </a:r>
+          </a:p>
+          <a:p>
+            <a:pPr>
+              <a:lnSpc>
+                <a:spcPts val="1425"/>
+              </a:lnSpc>
+              <a:buNone/>
+            </a:pPr>
+            <a:r>
+              <a:rPr lang="en-US" altLang="ko-KR" sz="1100" b="0" dirty="0">
+                <a:solidFill>
+                  <a:srgbClr val="CCCCCC"/>
+                </a:solidFill>
+                <a:effectLst/>
+                <a:latin typeface="Consolas" panose="020B0609020204030204" pitchFamily="49" charset="0"/>
+              </a:rPr>
+              <a:t>{</a:t>
+            </a:r>
+          </a:p>
+          <a:p>
+            <a:pPr>
+              <a:lnSpc>
+                <a:spcPts val="1425"/>
+              </a:lnSpc>
+              <a:buNone/>
+            </a:pPr>
+            <a:r>
+              <a:rPr lang="en-US" altLang="ko-KR" sz="1100" b="0" dirty="0">
+                <a:solidFill>
+                  <a:srgbClr val="CCCCCC"/>
+                </a:solidFill>
+                <a:effectLst/>
+                <a:latin typeface="Consolas" panose="020B0609020204030204" pitchFamily="49" charset="0"/>
+              </a:rPr>
+              <a:t>    </a:t>
+            </a:r>
+            <a:r>
+              <a:rPr lang="en-US" altLang="ko-KR" sz="1100" b="0" dirty="0">
+                <a:solidFill>
+                  <a:srgbClr val="4EC9B0"/>
+                </a:solidFill>
+                <a:effectLst/>
+                <a:latin typeface="Consolas" panose="020B0609020204030204" pitchFamily="49" charset="0"/>
+              </a:rPr>
+              <a:t>uint16_t</a:t>
+            </a:r>
+            <a:r>
+              <a:rPr lang="en-US" altLang="ko-KR" sz="1100" b="0" dirty="0">
+                <a:solidFill>
+                  <a:srgbClr val="CCCCCC"/>
+                </a:solidFill>
+                <a:effectLst/>
+                <a:latin typeface="Consolas" panose="020B0609020204030204" pitchFamily="49" charset="0"/>
+              </a:rPr>
+              <a:t> </a:t>
+            </a:r>
+            <a:r>
+              <a:rPr lang="en-US" altLang="ko-KR" sz="1100" b="0" dirty="0" err="1">
+                <a:solidFill>
+                  <a:srgbClr val="9CDCFE"/>
+                </a:solidFill>
+                <a:effectLst/>
+                <a:latin typeface="Consolas" panose="020B0609020204030204" pitchFamily="49" charset="0"/>
+              </a:rPr>
+              <a:t>adc_val</a:t>
+            </a:r>
+            <a:r>
+              <a:rPr lang="en-US" altLang="ko-KR" sz="1100" b="0" dirty="0">
+                <a:solidFill>
+                  <a:srgbClr val="D4D4D4"/>
+                </a:solidFill>
+                <a:effectLst/>
+                <a:latin typeface="Consolas" panose="020B0609020204030204" pitchFamily="49" charset="0"/>
+              </a:rPr>
+              <a:t>=</a:t>
+            </a:r>
+            <a:r>
+              <a:rPr lang="en-US" altLang="ko-KR" sz="1100" b="0" dirty="0">
+                <a:solidFill>
+                  <a:srgbClr val="CCCCCC"/>
+                </a:solidFill>
+                <a:effectLst/>
+                <a:latin typeface="Consolas" panose="020B0609020204030204" pitchFamily="49" charset="0"/>
+              </a:rPr>
+              <a:t> </a:t>
+            </a:r>
+            <a:r>
+              <a:rPr lang="en-US" altLang="ko-KR" sz="1100" b="0" dirty="0" err="1">
+                <a:solidFill>
+                  <a:srgbClr val="DCDCAA"/>
+                </a:solidFill>
+                <a:effectLst/>
+                <a:latin typeface="Consolas" panose="020B0609020204030204" pitchFamily="49" charset="0"/>
+              </a:rPr>
+              <a:t>UTO_ADCC_GetAvgConversion</a:t>
+            </a:r>
+            <a:r>
+              <a:rPr lang="en-US" altLang="ko-KR" sz="1100" b="0" dirty="0">
+                <a:solidFill>
+                  <a:srgbClr val="CCCCCC"/>
+                </a:solidFill>
+                <a:effectLst/>
+                <a:latin typeface="Consolas" panose="020B0609020204030204" pitchFamily="49" charset="0"/>
+              </a:rPr>
+              <a:t>(channel_ANA0);</a:t>
+            </a:r>
+          </a:p>
+          <a:p>
+            <a:pPr>
+              <a:lnSpc>
+                <a:spcPts val="1425"/>
+              </a:lnSpc>
+              <a:buNone/>
+            </a:pPr>
+            <a:r>
+              <a:rPr lang="en-US" altLang="ko-KR" sz="1100" b="0" dirty="0">
+                <a:solidFill>
+                  <a:srgbClr val="CCCCCC"/>
+                </a:solidFill>
+                <a:effectLst/>
+                <a:latin typeface="Consolas" panose="020B0609020204030204" pitchFamily="49" charset="0"/>
+              </a:rPr>
+              <a:t>}</a:t>
             </a:r>
           </a:p>
         </p:txBody>

--- a/PIC-ADC-Average-BurstAverageMode-Test.pptx
+++ b/PIC-ADC-Average-BurstAverageMode-Test.pptx
@@ -8416,15 +8416,7 @@
             </a:r>
             <a:r>
               <a:rPr lang="ko-KR" altLang="en-US" dirty="0"/>
-              <a:t>를 이용한 </a:t>
-            </a:r>
-            <a:r>
-              <a:rPr lang="en-US" altLang="ko-KR" dirty="0"/>
-              <a:t>100ms</a:t>
-            </a:r>
-            <a:r>
-              <a:rPr lang="ko-KR" altLang="en-US" dirty="0"/>
-              <a:t>간격 </a:t>
+              <a:t>를 이용한  </a:t>
             </a:r>
             <a:r>
               <a:rPr lang="en-US" altLang="ko-KR" dirty="0"/>
@@ -8432,7 +8424,15 @@
             </a:r>
             <a:r>
               <a:rPr lang="ko-KR" altLang="en-US" dirty="0"/>
-              <a:t>번 수집하여 평균</a:t>
+              <a:t>번 </a:t>
+            </a:r>
+            <a:r>
+              <a:rPr lang="ko-KR" altLang="en-US" dirty="0" err="1"/>
+              <a:t>평균얻는</a:t>
+            </a:r>
+            <a:r>
+              <a:rPr lang="ko-KR" altLang="en-US" dirty="0"/>
+              <a:t> 단일 함수</a:t>
             </a:r>
             <a:endParaRPr lang="ko-KR" altLang="en-US" dirty="0">
               <a:latin typeface="+mn-lt"/>
